--- a/ss/ssm.pptx
+++ b/ss/ssm.pptx
@@ -1,6 +1,6 @@
 
 <file path=ppt/presentation.xml><?xml version="1.0" encoding="utf-8"?>
-<p:presentation xmlns:a="http://schemas.openxmlformats.org/drawingml/2006/main" xmlns:r="http://schemas.openxmlformats.org/officeDocument/2006/relationships" xmlns:p="http://schemas.openxmlformats.org/presentationml/2006/main">
+<p:presentation xmlns:a="http://schemas.openxmlformats.org/drawingml/2006/main" xmlns:r="http://schemas.openxmlformats.org/officeDocument/2006/relationships" xmlns:p="http://schemas.openxmlformats.org/presentationml/2006/main" saveSubsetFonts="1">
   <p:sldMasterIdLst>
     <p:sldMasterId id="2147483648" r:id="rId1"/>
   </p:sldMasterIdLst>
@@ -2257,12 +2257,12 @@
             <a:pPr lvl="0"/>
             <a:r>
               <a:rPr lang="zh-CN" altLang="en-US" noProof="0" dirty="0" smtClean="0">
-                <a:sym typeface="Arial" panose="020B0604020202020204" pitchFamily="34" charset="0"/>
+                <a:sym typeface="Arial" pitchFamily="34" charset="0"/>
               </a:rPr>
               <a:t>编辑标题</a:t>
             </a:r>
             <a:endParaRPr lang="zh-CN" noProof="0" dirty="0" smtClean="0">
-              <a:sym typeface="Arial" panose="020B0604020202020204" pitchFamily="34" charset="0"/>
+              <a:sym typeface="Arial" pitchFamily="34" charset="0"/>
             </a:endParaRPr>
           </a:p>
         </p:txBody>
@@ -2300,12 +2300,12 @@
             <a:pPr lvl="0"/>
             <a:r>
               <a:rPr lang="zh-CN" noProof="0" smtClean="0">
-                <a:sym typeface="Arial" panose="020B0604020202020204" pitchFamily="34" charset="0"/>
+                <a:sym typeface="Arial" pitchFamily="34" charset="0"/>
               </a:rPr>
               <a:t>单击此处编辑母版副标题样式</a:t>
             </a:r>
             <a:endParaRPr lang="zh-CN" noProof="0" smtClean="0">
-              <a:sym typeface="Arial" panose="020B0604020202020204" pitchFamily="34" charset="0"/>
+              <a:sym typeface="Arial" pitchFamily="34" charset="0"/>
             </a:endParaRPr>
           </a:p>
         </p:txBody>
@@ -2604,27 +2604,27 @@
           <a:bodyPr/>
           <a:lstStyle>
             <a:lvl1pPr marL="285750" indent="-285750">
-              <a:buFont typeface="Arial" panose="020B0604020202020204" pitchFamily="34" charset="0"/>
+              <a:buFont typeface="Arial" pitchFamily="34" charset="0"/>
               <a:buChar char="•"/>
               <a:defRPr sz="2400"/>
             </a:lvl1pPr>
             <a:lvl2pPr marL="800100" indent="-342900">
-              <a:buFont typeface="Arial" panose="020B0604020202020204" pitchFamily="34" charset="0"/>
+              <a:buFont typeface="Arial" pitchFamily="34" charset="0"/>
               <a:buChar char="•"/>
               <a:defRPr sz="2000"/>
             </a:lvl2pPr>
             <a:lvl3pPr marL="1200150" indent="-285750">
-              <a:buFont typeface="Arial" panose="020B0604020202020204" pitchFamily="34" charset="0"/>
+              <a:buFont typeface="Arial" pitchFamily="34" charset="0"/>
               <a:buChar char="•"/>
               <a:defRPr sz="1800"/>
             </a:lvl3pPr>
             <a:lvl4pPr marL="1657350" indent="-285750">
-              <a:buFont typeface="Arial" panose="020B0604020202020204" pitchFamily="34" charset="0"/>
+              <a:buFont typeface="Arial" pitchFamily="34" charset="0"/>
               <a:buChar char="•"/>
               <a:defRPr sz="1800"/>
             </a:lvl4pPr>
             <a:lvl5pPr marL="2114550" indent="-285750">
-              <a:buFont typeface="Arial" panose="020B0604020202020204" pitchFamily="34" charset="0"/>
+              <a:buFont typeface="Arial" pitchFamily="34" charset="0"/>
               <a:buChar char="•"/>
               <a:defRPr sz="1800"/>
             </a:lvl5pPr>
@@ -2649,60 +2649,60 @@
             <a:pPr lvl="0"/>
             <a:r>
               <a:rPr lang="zh-CN" altLang="zh-CN" dirty="0" smtClean="0">
-                <a:sym typeface="Arial" panose="020B0604020202020204" pitchFamily="34" charset="0"/>
+                <a:sym typeface="Arial" pitchFamily="34" charset="0"/>
               </a:rPr>
               <a:t>单击此处编辑母版文本样式</a:t>
             </a:r>
             <a:endParaRPr lang="zh-CN" altLang="zh-CN" dirty="0" smtClean="0">
-              <a:sym typeface="Arial" panose="020B0604020202020204" pitchFamily="34" charset="0"/>
+              <a:sym typeface="Arial" pitchFamily="34" charset="0"/>
             </a:endParaRPr>
           </a:p>
           <a:p>
             <a:pPr lvl="1"/>
             <a:r>
               <a:rPr lang="zh-CN" altLang="zh-CN" dirty="0" smtClean="0">
-                <a:sym typeface="Arial" panose="020B0604020202020204" pitchFamily="34" charset="0"/>
+                <a:sym typeface="Arial" pitchFamily="34" charset="0"/>
               </a:rPr>
               <a:t>第二级</a:t>
             </a:r>
             <a:endParaRPr lang="zh-CN" altLang="zh-CN" dirty="0" smtClean="0">
-              <a:sym typeface="Arial" panose="020B0604020202020204" pitchFamily="34" charset="0"/>
+              <a:sym typeface="Arial" pitchFamily="34" charset="0"/>
             </a:endParaRPr>
           </a:p>
           <a:p>
             <a:pPr lvl="2"/>
             <a:r>
               <a:rPr lang="zh-CN" altLang="zh-CN" dirty="0" smtClean="0">
-                <a:sym typeface="Arial" panose="020B0604020202020204" pitchFamily="34" charset="0"/>
+                <a:sym typeface="Arial" pitchFamily="34" charset="0"/>
               </a:rPr>
               <a:t>第三级</a:t>
             </a:r>
             <a:endParaRPr lang="zh-CN" altLang="zh-CN" dirty="0" smtClean="0">
-              <a:sym typeface="Arial" panose="020B0604020202020204" pitchFamily="34" charset="0"/>
+              <a:sym typeface="Arial" pitchFamily="34" charset="0"/>
             </a:endParaRPr>
           </a:p>
           <a:p>
             <a:pPr lvl="3"/>
             <a:r>
               <a:rPr lang="zh-CN" altLang="zh-CN" dirty="0" smtClean="0">
-                <a:sym typeface="Arial" panose="020B0604020202020204" pitchFamily="34" charset="0"/>
+                <a:sym typeface="Arial" pitchFamily="34" charset="0"/>
               </a:rPr>
               <a:t>第四级</a:t>
             </a:r>
             <a:endParaRPr lang="zh-CN" altLang="zh-CN" dirty="0" smtClean="0">
-              <a:sym typeface="Arial" panose="020B0604020202020204" pitchFamily="34" charset="0"/>
+              <a:sym typeface="Arial" pitchFamily="34" charset="0"/>
             </a:endParaRPr>
           </a:p>
           <a:p>
             <a:pPr lvl="4"/>
             <a:r>
               <a:rPr lang="zh-CN" altLang="zh-CN" dirty="0" smtClean="0">
-                <a:sym typeface="Arial" panose="020B0604020202020204" pitchFamily="34" charset="0"/>
+                <a:sym typeface="Arial" pitchFamily="34" charset="0"/>
               </a:rPr>
               <a:t>第五级</a:t>
             </a:r>
             <a:endParaRPr lang="zh-CN" altLang="zh-CN" dirty="0" smtClean="0">
-              <a:sym typeface="Arial" panose="020B0604020202020204" pitchFamily="34" charset="0"/>
+              <a:sym typeface="Arial" pitchFamily="34" charset="0"/>
             </a:endParaRPr>
           </a:p>
         </p:txBody>
@@ -2861,12 +2861,12 @@
             <a:pPr lvl="0"/>
             <a:r>
               <a:rPr lang="zh-CN" noProof="0" dirty="0" smtClean="0">
-                <a:sym typeface="Arial" panose="020B0604020202020204" pitchFamily="34" charset="0"/>
+                <a:sym typeface="Arial" pitchFamily="34" charset="0"/>
               </a:rPr>
               <a:t>单击此处编辑母版副标题样式</a:t>
             </a:r>
             <a:endParaRPr lang="zh-CN" noProof="0" dirty="0" smtClean="0">
-              <a:sym typeface="Arial" panose="020B0604020202020204" pitchFamily="34" charset="0"/>
+              <a:sym typeface="Arial" pitchFamily="34" charset="0"/>
             </a:endParaRPr>
           </a:p>
         </p:txBody>
@@ -3606,12 +3606,12 @@
             <a:pPr lvl="0"/>
             <a:r>
               <a:rPr lang="zh-CN" altLang="en-US" noProof="0" dirty="0" smtClean="0">
-                <a:sym typeface="Arial" panose="020B0604020202020204" pitchFamily="34" charset="0"/>
+                <a:sym typeface="Arial" pitchFamily="34" charset="0"/>
               </a:rPr>
               <a:t>单击此处编辑标题</a:t>
             </a:r>
             <a:endParaRPr lang="zh-CN" noProof="0" dirty="0" smtClean="0">
-              <a:sym typeface="Arial" panose="020B0604020202020204" pitchFamily="34" charset="0"/>
+              <a:sym typeface="Arial" pitchFamily="34" charset="0"/>
             </a:endParaRPr>
           </a:p>
         </p:txBody>
@@ -3645,12 +3645,12 @@
             <a:pPr lvl="0"/>
             <a:r>
               <a:rPr lang="zh-CN" noProof="0" smtClean="0">
-                <a:sym typeface="Arial" panose="020B0604020202020204" pitchFamily="34" charset="0"/>
+                <a:sym typeface="Arial" pitchFamily="34" charset="0"/>
               </a:rPr>
               <a:t>单击此处编辑母版副标题样式</a:t>
             </a:r>
             <a:endParaRPr lang="zh-CN" noProof="0" smtClean="0">
-              <a:sym typeface="Arial" panose="020B0604020202020204" pitchFamily="34" charset="0"/>
+              <a:sym typeface="Arial" pitchFamily="34" charset="0"/>
             </a:endParaRPr>
           </a:p>
         </p:txBody>
@@ -3804,9 +3804,9 @@
                   <a:solidFill>
                     <a:schemeClr val="bg1"/>
                   </a:solidFill>
-                  <a:latin typeface="Arial" panose="020B0604020202020204" pitchFamily="34" charset="0"/>
-                  <a:ea typeface="黑体" panose="02010609060101010101" pitchFamily="49" charset="-122"/>
-                  <a:sym typeface="Arial" panose="020B0604020202020204" pitchFamily="34" charset="0"/>
+                  <a:latin typeface="Arial" pitchFamily="34" charset="0"/>
+                  <a:ea typeface="黑体" pitchFamily="49" charset="-122"/>
+                  <a:sym typeface="Arial" pitchFamily="34" charset="0"/>
                 </a:defRPr>
               </a:lvl1pPr>
               <a:lvl2pPr marL="742950" indent="-285750">
@@ -3818,9 +3818,9 @@
                   <a:solidFill>
                     <a:schemeClr val="bg1"/>
                   </a:solidFill>
-                  <a:latin typeface="Arial" panose="020B0604020202020204" pitchFamily="34" charset="0"/>
-                  <a:ea typeface="黑体" panose="02010609060101010101" pitchFamily="49" charset="-122"/>
-                  <a:sym typeface="Arial" panose="020B0604020202020204" pitchFamily="34" charset="0"/>
+                  <a:latin typeface="Arial" pitchFamily="34" charset="0"/>
+                  <a:ea typeface="黑体" pitchFamily="49" charset="-122"/>
+                  <a:sym typeface="Arial" pitchFamily="34" charset="0"/>
                 </a:defRPr>
               </a:lvl2pPr>
               <a:lvl3pPr marL="1143000" indent="-228600">
@@ -3832,9 +3832,9 @@
                   <a:solidFill>
                     <a:schemeClr val="bg1"/>
                   </a:solidFill>
-                  <a:latin typeface="Arial" panose="020B0604020202020204" pitchFamily="34" charset="0"/>
-                  <a:ea typeface="黑体" panose="02010609060101010101" pitchFamily="49" charset="-122"/>
-                  <a:sym typeface="Arial" panose="020B0604020202020204" pitchFamily="34" charset="0"/>
+                  <a:latin typeface="Arial" pitchFamily="34" charset="0"/>
+                  <a:ea typeface="黑体" pitchFamily="49" charset="-122"/>
+                  <a:sym typeface="Arial" pitchFamily="34" charset="0"/>
                 </a:defRPr>
               </a:lvl3pPr>
               <a:lvl4pPr marL="1600200" indent="-228600">
@@ -3846,9 +3846,9 @@
                   <a:solidFill>
                     <a:schemeClr val="bg1"/>
                   </a:solidFill>
-                  <a:latin typeface="Arial" panose="020B0604020202020204" pitchFamily="34" charset="0"/>
-                  <a:ea typeface="黑体" panose="02010609060101010101" pitchFamily="49" charset="-122"/>
-                  <a:sym typeface="Arial" panose="020B0604020202020204" pitchFamily="34" charset="0"/>
+                  <a:latin typeface="Arial" pitchFamily="34" charset="0"/>
+                  <a:ea typeface="黑体" pitchFamily="49" charset="-122"/>
+                  <a:sym typeface="Arial" pitchFamily="34" charset="0"/>
                 </a:defRPr>
               </a:lvl4pPr>
               <a:lvl5pPr marL="2057400" indent="-228600">
@@ -3860,9 +3860,9 @@
                   <a:solidFill>
                     <a:schemeClr val="bg1"/>
                   </a:solidFill>
-                  <a:latin typeface="Arial" panose="020B0604020202020204" pitchFamily="34" charset="0"/>
-                  <a:ea typeface="黑体" panose="02010609060101010101" pitchFamily="49" charset="-122"/>
-                  <a:sym typeface="Arial" panose="020B0604020202020204" pitchFamily="34" charset="0"/>
+                  <a:latin typeface="Arial" pitchFamily="34" charset="0"/>
+                  <a:ea typeface="黑体" pitchFamily="49" charset="-122"/>
+                  <a:sym typeface="Arial" pitchFamily="34" charset="0"/>
                 </a:defRPr>
               </a:lvl5pPr>
               <a:lvl6pPr marL="2514600" indent="-228600" eaLnBrk="0" fontAlgn="base" hangingPunct="0">
@@ -3877,9 +3877,9 @@
                   <a:solidFill>
                     <a:schemeClr val="bg1"/>
                   </a:solidFill>
-                  <a:latin typeface="Arial" panose="020B0604020202020204" pitchFamily="34" charset="0"/>
-                  <a:ea typeface="黑体" panose="02010609060101010101" pitchFamily="49" charset="-122"/>
-                  <a:sym typeface="Arial" panose="020B0604020202020204" pitchFamily="34" charset="0"/>
+                  <a:latin typeface="Arial" pitchFamily="34" charset="0"/>
+                  <a:ea typeface="黑体" pitchFamily="49" charset="-122"/>
+                  <a:sym typeface="Arial" pitchFamily="34" charset="0"/>
                 </a:defRPr>
               </a:lvl6pPr>
               <a:lvl7pPr marL="2971800" indent="-228600" eaLnBrk="0" fontAlgn="base" hangingPunct="0">
@@ -3894,9 +3894,9 @@
                   <a:solidFill>
                     <a:schemeClr val="bg1"/>
                   </a:solidFill>
-                  <a:latin typeface="Arial" panose="020B0604020202020204" pitchFamily="34" charset="0"/>
-                  <a:ea typeface="黑体" panose="02010609060101010101" pitchFamily="49" charset="-122"/>
-                  <a:sym typeface="Arial" panose="020B0604020202020204" pitchFamily="34" charset="0"/>
+                  <a:latin typeface="Arial" pitchFamily="34" charset="0"/>
+                  <a:ea typeface="黑体" pitchFamily="49" charset="-122"/>
+                  <a:sym typeface="Arial" pitchFamily="34" charset="0"/>
                 </a:defRPr>
               </a:lvl7pPr>
               <a:lvl8pPr marL="3429000" indent="-228600" eaLnBrk="0" fontAlgn="base" hangingPunct="0">
@@ -3911,9 +3911,9 @@
                   <a:solidFill>
                     <a:schemeClr val="bg1"/>
                   </a:solidFill>
-                  <a:latin typeface="Arial" panose="020B0604020202020204" pitchFamily="34" charset="0"/>
-                  <a:ea typeface="黑体" panose="02010609060101010101" pitchFamily="49" charset="-122"/>
-                  <a:sym typeface="Arial" panose="020B0604020202020204" pitchFamily="34" charset="0"/>
+                  <a:latin typeface="Arial" pitchFamily="34" charset="0"/>
+                  <a:ea typeface="黑体" pitchFamily="49" charset="-122"/>
+                  <a:sym typeface="Arial" pitchFamily="34" charset="0"/>
                 </a:defRPr>
               </a:lvl8pPr>
               <a:lvl9pPr marL="3886200" indent="-228600" eaLnBrk="0" fontAlgn="base" hangingPunct="0">
@@ -3928,9 +3928,9 @@
                   <a:solidFill>
                     <a:schemeClr val="bg1"/>
                   </a:solidFill>
-                  <a:latin typeface="Arial" panose="020B0604020202020204" pitchFamily="34" charset="0"/>
-                  <a:ea typeface="黑体" panose="02010609060101010101" pitchFamily="49" charset="-122"/>
-                  <a:sym typeface="Arial" panose="020B0604020202020204" pitchFamily="34" charset="0"/>
+                  <a:latin typeface="Arial" pitchFamily="34" charset="0"/>
+                  <a:ea typeface="黑体" pitchFamily="49" charset="-122"/>
+                  <a:sym typeface="Arial" pitchFamily="34" charset="0"/>
                 </a:defRPr>
               </a:lvl9pPr>
             </a:lstStyle>
@@ -4018,9 +4018,9 @@
                   <a:solidFill>
                     <a:schemeClr val="bg1"/>
                   </a:solidFill>
-                  <a:latin typeface="Arial" panose="020B0604020202020204" pitchFamily="34" charset="0"/>
-                  <a:ea typeface="黑体" panose="02010609060101010101" pitchFamily="49" charset="-122"/>
-                  <a:sym typeface="Arial" panose="020B0604020202020204" pitchFamily="34" charset="0"/>
+                  <a:latin typeface="Arial" pitchFamily="34" charset="0"/>
+                  <a:ea typeface="黑体" pitchFamily="49" charset="-122"/>
+                  <a:sym typeface="Arial" pitchFamily="34" charset="0"/>
                 </a:defRPr>
               </a:lvl1pPr>
               <a:lvl2pPr marL="742950" indent="-285750">
@@ -4032,9 +4032,9 @@
                   <a:solidFill>
                     <a:schemeClr val="bg1"/>
                   </a:solidFill>
-                  <a:latin typeface="Arial" panose="020B0604020202020204" pitchFamily="34" charset="0"/>
-                  <a:ea typeface="黑体" panose="02010609060101010101" pitchFamily="49" charset="-122"/>
-                  <a:sym typeface="Arial" panose="020B0604020202020204" pitchFamily="34" charset="0"/>
+                  <a:latin typeface="Arial" pitchFamily="34" charset="0"/>
+                  <a:ea typeface="黑体" pitchFamily="49" charset="-122"/>
+                  <a:sym typeface="Arial" pitchFamily="34" charset="0"/>
                 </a:defRPr>
               </a:lvl2pPr>
               <a:lvl3pPr marL="1143000" indent="-228600">
@@ -4046,9 +4046,9 @@
                   <a:solidFill>
                     <a:schemeClr val="bg1"/>
                   </a:solidFill>
-                  <a:latin typeface="Arial" panose="020B0604020202020204" pitchFamily="34" charset="0"/>
-                  <a:ea typeface="黑体" panose="02010609060101010101" pitchFamily="49" charset="-122"/>
-                  <a:sym typeface="Arial" panose="020B0604020202020204" pitchFamily="34" charset="0"/>
+                  <a:latin typeface="Arial" pitchFamily="34" charset="0"/>
+                  <a:ea typeface="黑体" pitchFamily="49" charset="-122"/>
+                  <a:sym typeface="Arial" pitchFamily="34" charset="0"/>
                 </a:defRPr>
               </a:lvl3pPr>
               <a:lvl4pPr marL="1600200" indent="-228600">
@@ -4060,9 +4060,9 @@
                   <a:solidFill>
                     <a:schemeClr val="bg1"/>
                   </a:solidFill>
-                  <a:latin typeface="Arial" panose="020B0604020202020204" pitchFamily="34" charset="0"/>
-                  <a:ea typeface="黑体" panose="02010609060101010101" pitchFamily="49" charset="-122"/>
-                  <a:sym typeface="Arial" panose="020B0604020202020204" pitchFamily="34" charset="0"/>
+                  <a:latin typeface="Arial" pitchFamily="34" charset="0"/>
+                  <a:ea typeface="黑体" pitchFamily="49" charset="-122"/>
+                  <a:sym typeface="Arial" pitchFamily="34" charset="0"/>
                 </a:defRPr>
               </a:lvl4pPr>
               <a:lvl5pPr marL="2057400" indent="-228600">
@@ -4074,9 +4074,9 @@
                   <a:solidFill>
                     <a:schemeClr val="bg1"/>
                   </a:solidFill>
-                  <a:latin typeface="Arial" panose="020B0604020202020204" pitchFamily="34" charset="0"/>
-                  <a:ea typeface="黑体" panose="02010609060101010101" pitchFamily="49" charset="-122"/>
-                  <a:sym typeface="Arial" panose="020B0604020202020204" pitchFamily="34" charset="0"/>
+                  <a:latin typeface="Arial" pitchFamily="34" charset="0"/>
+                  <a:ea typeface="黑体" pitchFamily="49" charset="-122"/>
+                  <a:sym typeface="Arial" pitchFamily="34" charset="0"/>
                 </a:defRPr>
               </a:lvl5pPr>
               <a:lvl6pPr marL="2514600" indent="-228600" eaLnBrk="0" fontAlgn="base" hangingPunct="0">
@@ -4091,9 +4091,9 @@
                   <a:solidFill>
                     <a:schemeClr val="bg1"/>
                   </a:solidFill>
-                  <a:latin typeface="Arial" panose="020B0604020202020204" pitchFamily="34" charset="0"/>
-                  <a:ea typeface="黑体" panose="02010609060101010101" pitchFamily="49" charset="-122"/>
-                  <a:sym typeface="Arial" panose="020B0604020202020204" pitchFamily="34" charset="0"/>
+                  <a:latin typeface="Arial" pitchFamily="34" charset="0"/>
+                  <a:ea typeface="黑体" pitchFamily="49" charset="-122"/>
+                  <a:sym typeface="Arial" pitchFamily="34" charset="0"/>
                 </a:defRPr>
               </a:lvl6pPr>
               <a:lvl7pPr marL="2971800" indent="-228600" eaLnBrk="0" fontAlgn="base" hangingPunct="0">
@@ -4108,9 +4108,9 @@
                   <a:solidFill>
                     <a:schemeClr val="bg1"/>
                   </a:solidFill>
-                  <a:latin typeface="Arial" panose="020B0604020202020204" pitchFamily="34" charset="0"/>
-                  <a:ea typeface="黑体" panose="02010609060101010101" pitchFamily="49" charset="-122"/>
-                  <a:sym typeface="Arial" panose="020B0604020202020204" pitchFamily="34" charset="0"/>
+                  <a:latin typeface="Arial" pitchFamily="34" charset="0"/>
+                  <a:ea typeface="黑体" pitchFamily="49" charset="-122"/>
+                  <a:sym typeface="Arial" pitchFamily="34" charset="0"/>
                 </a:defRPr>
               </a:lvl7pPr>
               <a:lvl8pPr marL="3429000" indent="-228600" eaLnBrk="0" fontAlgn="base" hangingPunct="0">
@@ -4125,9 +4125,9 @@
                   <a:solidFill>
                     <a:schemeClr val="bg1"/>
                   </a:solidFill>
-                  <a:latin typeface="Arial" panose="020B0604020202020204" pitchFamily="34" charset="0"/>
-                  <a:ea typeface="黑体" panose="02010609060101010101" pitchFamily="49" charset="-122"/>
-                  <a:sym typeface="Arial" panose="020B0604020202020204" pitchFamily="34" charset="0"/>
+                  <a:latin typeface="Arial" pitchFamily="34" charset="0"/>
+                  <a:ea typeface="黑体" pitchFamily="49" charset="-122"/>
+                  <a:sym typeface="Arial" pitchFamily="34" charset="0"/>
                 </a:defRPr>
               </a:lvl8pPr>
               <a:lvl9pPr marL="3886200" indent="-228600" eaLnBrk="0" fontAlgn="base" hangingPunct="0">
@@ -4142,9 +4142,9 @@
                   <a:solidFill>
                     <a:schemeClr val="bg1"/>
                   </a:solidFill>
-                  <a:latin typeface="Arial" panose="020B0604020202020204" pitchFamily="34" charset="0"/>
-                  <a:ea typeface="黑体" panose="02010609060101010101" pitchFamily="49" charset="-122"/>
-                  <a:sym typeface="Arial" panose="020B0604020202020204" pitchFamily="34" charset="0"/>
+                  <a:latin typeface="Arial" pitchFamily="34" charset="0"/>
+                  <a:ea typeface="黑体" pitchFamily="49" charset="-122"/>
+                  <a:sym typeface="Arial" pitchFamily="34" charset="0"/>
                 </a:defRPr>
               </a:lvl9pPr>
             </a:lstStyle>
@@ -4232,9 +4232,9 @@
                   <a:solidFill>
                     <a:schemeClr val="bg1"/>
                   </a:solidFill>
-                  <a:latin typeface="Arial" panose="020B0604020202020204" pitchFamily="34" charset="0"/>
-                  <a:ea typeface="黑体" panose="02010609060101010101" pitchFamily="49" charset="-122"/>
-                  <a:sym typeface="Arial" panose="020B0604020202020204" pitchFamily="34" charset="0"/>
+                  <a:latin typeface="Arial" pitchFamily="34" charset="0"/>
+                  <a:ea typeface="黑体" pitchFamily="49" charset="-122"/>
+                  <a:sym typeface="Arial" pitchFamily="34" charset="0"/>
                 </a:defRPr>
               </a:lvl1pPr>
               <a:lvl2pPr marL="742950" indent="-285750">
@@ -4246,9 +4246,9 @@
                   <a:solidFill>
                     <a:schemeClr val="bg1"/>
                   </a:solidFill>
-                  <a:latin typeface="Arial" panose="020B0604020202020204" pitchFamily="34" charset="0"/>
-                  <a:ea typeface="黑体" panose="02010609060101010101" pitchFamily="49" charset="-122"/>
-                  <a:sym typeface="Arial" panose="020B0604020202020204" pitchFamily="34" charset="0"/>
+                  <a:latin typeface="Arial" pitchFamily="34" charset="0"/>
+                  <a:ea typeface="黑体" pitchFamily="49" charset="-122"/>
+                  <a:sym typeface="Arial" pitchFamily="34" charset="0"/>
                 </a:defRPr>
               </a:lvl2pPr>
               <a:lvl3pPr marL="1143000" indent="-228600">
@@ -4260,9 +4260,9 @@
                   <a:solidFill>
                     <a:schemeClr val="bg1"/>
                   </a:solidFill>
-                  <a:latin typeface="Arial" panose="020B0604020202020204" pitchFamily="34" charset="0"/>
-                  <a:ea typeface="黑体" panose="02010609060101010101" pitchFamily="49" charset="-122"/>
-                  <a:sym typeface="Arial" panose="020B0604020202020204" pitchFamily="34" charset="0"/>
+                  <a:latin typeface="Arial" pitchFamily="34" charset="0"/>
+                  <a:ea typeface="黑体" pitchFamily="49" charset="-122"/>
+                  <a:sym typeface="Arial" pitchFamily="34" charset="0"/>
                 </a:defRPr>
               </a:lvl3pPr>
               <a:lvl4pPr marL="1600200" indent="-228600">
@@ -4274,9 +4274,9 @@
                   <a:solidFill>
                     <a:schemeClr val="bg1"/>
                   </a:solidFill>
-                  <a:latin typeface="Arial" panose="020B0604020202020204" pitchFamily="34" charset="0"/>
-                  <a:ea typeface="黑体" panose="02010609060101010101" pitchFamily="49" charset="-122"/>
-                  <a:sym typeface="Arial" panose="020B0604020202020204" pitchFamily="34" charset="0"/>
+                  <a:latin typeface="Arial" pitchFamily="34" charset="0"/>
+                  <a:ea typeface="黑体" pitchFamily="49" charset="-122"/>
+                  <a:sym typeface="Arial" pitchFamily="34" charset="0"/>
                 </a:defRPr>
               </a:lvl4pPr>
               <a:lvl5pPr marL="2057400" indent="-228600">
@@ -4288,9 +4288,9 @@
                   <a:solidFill>
                     <a:schemeClr val="bg1"/>
                   </a:solidFill>
-                  <a:latin typeface="Arial" panose="020B0604020202020204" pitchFamily="34" charset="0"/>
-                  <a:ea typeface="黑体" panose="02010609060101010101" pitchFamily="49" charset="-122"/>
-                  <a:sym typeface="Arial" panose="020B0604020202020204" pitchFamily="34" charset="0"/>
+                  <a:latin typeface="Arial" pitchFamily="34" charset="0"/>
+                  <a:ea typeface="黑体" pitchFamily="49" charset="-122"/>
+                  <a:sym typeface="Arial" pitchFamily="34" charset="0"/>
                 </a:defRPr>
               </a:lvl5pPr>
               <a:lvl6pPr marL="2514600" indent="-228600" eaLnBrk="0" fontAlgn="base" hangingPunct="0">
@@ -4305,9 +4305,9 @@
                   <a:solidFill>
                     <a:schemeClr val="bg1"/>
                   </a:solidFill>
-                  <a:latin typeface="Arial" panose="020B0604020202020204" pitchFamily="34" charset="0"/>
-                  <a:ea typeface="黑体" panose="02010609060101010101" pitchFamily="49" charset="-122"/>
-                  <a:sym typeface="Arial" panose="020B0604020202020204" pitchFamily="34" charset="0"/>
+                  <a:latin typeface="Arial" pitchFamily="34" charset="0"/>
+                  <a:ea typeface="黑体" pitchFamily="49" charset="-122"/>
+                  <a:sym typeface="Arial" pitchFamily="34" charset="0"/>
                 </a:defRPr>
               </a:lvl6pPr>
               <a:lvl7pPr marL="2971800" indent="-228600" eaLnBrk="0" fontAlgn="base" hangingPunct="0">
@@ -4322,9 +4322,9 @@
                   <a:solidFill>
                     <a:schemeClr val="bg1"/>
                   </a:solidFill>
-                  <a:latin typeface="Arial" panose="020B0604020202020204" pitchFamily="34" charset="0"/>
-                  <a:ea typeface="黑体" panose="02010609060101010101" pitchFamily="49" charset="-122"/>
-                  <a:sym typeface="Arial" panose="020B0604020202020204" pitchFamily="34" charset="0"/>
+                  <a:latin typeface="Arial" pitchFamily="34" charset="0"/>
+                  <a:ea typeface="黑体" pitchFamily="49" charset="-122"/>
+                  <a:sym typeface="Arial" pitchFamily="34" charset="0"/>
                 </a:defRPr>
               </a:lvl7pPr>
               <a:lvl8pPr marL="3429000" indent="-228600" eaLnBrk="0" fontAlgn="base" hangingPunct="0">
@@ -4339,9 +4339,9 @@
                   <a:solidFill>
                     <a:schemeClr val="bg1"/>
                   </a:solidFill>
-                  <a:latin typeface="Arial" panose="020B0604020202020204" pitchFamily="34" charset="0"/>
-                  <a:ea typeface="黑体" panose="02010609060101010101" pitchFamily="49" charset="-122"/>
-                  <a:sym typeface="Arial" panose="020B0604020202020204" pitchFamily="34" charset="0"/>
+                  <a:latin typeface="Arial" pitchFamily="34" charset="0"/>
+                  <a:ea typeface="黑体" pitchFamily="49" charset="-122"/>
+                  <a:sym typeface="Arial" pitchFamily="34" charset="0"/>
                 </a:defRPr>
               </a:lvl8pPr>
               <a:lvl9pPr marL="3886200" indent="-228600" eaLnBrk="0" fontAlgn="base" hangingPunct="0">
@@ -4356,9 +4356,9 @@
                   <a:solidFill>
                     <a:schemeClr val="bg1"/>
                   </a:solidFill>
-                  <a:latin typeface="Arial" panose="020B0604020202020204" pitchFamily="34" charset="0"/>
-                  <a:ea typeface="黑体" panose="02010609060101010101" pitchFamily="49" charset="-122"/>
-                  <a:sym typeface="Arial" panose="020B0604020202020204" pitchFamily="34" charset="0"/>
+                  <a:latin typeface="Arial" pitchFamily="34" charset="0"/>
+                  <a:ea typeface="黑体" pitchFamily="49" charset="-122"/>
+                  <a:sym typeface="Arial" pitchFamily="34" charset="0"/>
                 </a:defRPr>
               </a:lvl9pPr>
             </a:lstStyle>
@@ -4984,12 +4984,12 @@
             <a:pPr lvl="0"/>
             <a:r>
               <a:rPr lang="zh-CN" smtClean="0">
-                <a:sym typeface="Arial" panose="020B0604020202020204" pitchFamily="34" charset="0"/>
+                <a:sym typeface="Arial" pitchFamily="34" charset="0"/>
               </a:rPr>
               <a:t>单击此处编辑母版标题样式</a:t>
             </a:r>
             <a:endParaRPr lang="zh-CN" smtClean="0">
-              <a:sym typeface="Arial" panose="020B0604020202020204" pitchFamily="34" charset="0"/>
+              <a:sym typeface="Arial" pitchFamily="34" charset="0"/>
             </a:endParaRPr>
           </a:p>
         </p:txBody>
@@ -5045,60 +5045,60 @@
             <a:pPr lvl="0"/>
             <a:r>
               <a:rPr lang="zh-CN" dirty="0" smtClean="0">
-                <a:sym typeface="Arial" panose="020B0604020202020204" pitchFamily="34" charset="0"/>
+                <a:sym typeface="Arial" pitchFamily="34" charset="0"/>
               </a:rPr>
               <a:t>单击此处编辑母版文本样式</a:t>
             </a:r>
             <a:endParaRPr lang="zh-CN" dirty="0" smtClean="0">
-              <a:sym typeface="Arial" panose="020B0604020202020204" pitchFamily="34" charset="0"/>
+              <a:sym typeface="Arial" pitchFamily="34" charset="0"/>
             </a:endParaRPr>
           </a:p>
           <a:p>
             <a:pPr lvl="1"/>
             <a:r>
               <a:rPr lang="zh-CN" dirty="0" smtClean="0">
-                <a:sym typeface="Arial" panose="020B0604020202020204" pitchFamily="34" charset="0"/>
+                <a:sym typeface="Arial" pitchFamily="34" charset="0"/>
               </a:rPr>
               <a:t>第二级</a:t>
             </a:r>
             <a:endParaRPr lang="zh-CN" dirty="0" smtClean="0">
-              <a:sym typeface="Arial" panose="020B0604020202020204" pitchFamily="34" charset="0"/>
+              <a:sym typeface="Arial" pitchFamily="34" charset="0"/>
             </a:endParaRPr>
           </a:p>
           <a:p>
             <a:pPr lvl="2"/>
             <a:r>
               <a:rPr lang="zh-CN" dirty="0" smtClean="0">
-                <a:sym typeface="Arial" panose="020B0604020202020204" pitchFamily="34" charset="0"/>
+                <a:sym typeface="Arial" pitchFamily="34" charset="0"/>
               </a:rPr>
               <a:t>第三级</a:t>
             </a:r>
             <a:endParaRPr lang="zh-CN" dirty="0" smtClean="0">
-              <a:sym typeface="Arial" panose="020B0604020202020204" pitchFamily="34" charset="0"/>
+              <a:sym typeface="Arial" pitchFamily="34" charset="0"/>
             </a:endParaRPr>
           </a:p>
           <a:p>
             <a:pPr lvl="3"/>
             <a:r>
               <a:rPr lang="zh-CN" dirty="0" smtClean="0">
-                <a:sym typeface="Arial" panose="020B0604020202020204" pitchFamily="34" charset="0"/>
+                <a:sym typeface="Arial" pitchFamily="34" charset="0"/>
               </a:rPr>
               <a:t>第四级</a:t>
             </a:r>
             <a:endParaRPr lang="zh-CN" dirty="0" smtClean="0">
-              <a:sym typeface="Arial" panose="020B0604020202020204" pitchFamily="34" charset="0"/>
+              <a:sym typeface="Arial" pitchFamily="34" charset="0"/>
             </a:endParaRPr>
           </a:p>
           <a:p>
             <a:pPr lvl="4"/>
             <a:r>
               <a:rPr lang="zh-CN" dirty="0" smtClean="0">
-                <a:sym typeface="Arial" panose="020B0604020202020204" pitchFamily="34" charset="0"/>
+                <a:sym typeface="Arial" pitchFamily="34" charset="0"/>
               </a:rPr>
               <a:t>第五级</a:t>
             </a:r>
             <a:endParaRPr lang="zh-CN" dirty="0" smtClean="0">
-              <a:sym typeface="Arial" panose="020B0604020202020204" pitchFamily="34" charset="0"/>
+              <a:sym typeface="Arial" pitchFamily="34" charset="0"/>
             </a:endParaRPr>
           </a:p>
         </p:txBody>
@@ -5254,10 +5254,10 @@
           <a:solidFill>
             <a:srgbClr val="F0DB6E"/>
           </a:solidFill>
-          <a:latin typeface="Arial" panose="020B0604020202020204" pitchFamily="34" charset="0"/>
-          <a:ea typeface="黑体" panose="02010609060101010101" pitchFamily="49" charset="-122"/>
+          <a:latin typeface="Arial" pitchFamily="34" charset="0"/>
+          <a:ea typeface="黑体" pitchFamily="49" charset="-122"/>
           <a:cs typeface="+mj-cs"/>
-          <a:sym typeface="Arial" panose="020B0604020202020204" pitchFamily="34" charset="0"/>
+          <a:sym typeface="Arial" pitchFamily="34" charset="0"/>
         </a:defRPr>
       </a:lvl1pPr>
       <a:lvl2pPr algn="l" rtl="0" eaLnBrk="0" fontAlgn="base" hangingPunct="0">
@@ -5271,9 +5271,9 @@
           <a:solidFill>
             <a:srgbClr val="F0DB6E"/>
           </a:solidFill>
-          <a:latin typeface="Arial" panose="020B0604020202020204" pitchFamily="34" charset="0"/>
-          <a:ea typeface="黑体" panose="02010609060101010101" pitchFamily="49" charset="-122"/>
-          <a:sym typeface="Arial" panose="020B0604020202020204" pitchFamily="34" charset="0"/>
+          <a:latin typeface="Arial" pitchFamily="34" charset="0"/>
+          <a:ea typeface="黑体" pitchFamily="49" charset="-122"/>
+          <a:sym typeface="Arial" pitchFamily="34" charset="0"/>
         </a:defRPr>
       </a:lvl2pPr>
       <a:lvl3pPr algn="l" rtl="0" eaLnBrk="0" fontAlgn="base" hangingPunct="0">
@@ -5287,9 +5287,9 @@
           <a:solidFill>
             <a:srgbClr val="F0DB6E"/>
           </a:solidFill>
-          <a:latin typeface="Arial" panose="020B0604020202020204" pitchFamily="34" charset="0"/>
-          <a:ea typeface="黑体" panose="02010609060101010101" pitchFamily="49" charset="-122"/>
-          <a:sym typeface="Arial" panose="020B0604020202020204" pitchFamily="34" charset="0"/>
+          <a:latin typeface="Arial" pitchFamily="34" charset="0"/>
+          <a:ea typeface="黑体" pitchFamily="49" charset="-122"/>
+          <a:sym typeface="Arial" pitchFamily="34" charset="0"/>
         </a:defRPr>
       </a:lvl3pPr>
       <a:lvl4pPr algn="l" rtl="0" eaLnBrk="0" fontAlgn="base" hangingPunct="0">
@@ -5303,9 +5303,9 @@
           <a:solidFill>
             <a:srgbClr val="F0DB6E"/>
           </a:solidFill>
-          <a:latin typeface="Arial" panose="020B0604020202020204" pitchFamily="34" charset="0"/>
-          <a:ea typeface="黑体" panose="02010609060101010101" pitchFamily="49" charset="-122"/>
-          <a:sym typeface="Arial" panose="020B0604020202020204" pitchFamily="34" charset="0"/>
+          <a:latin typeface="Arial" pitchFamily="34" charset="0"/>
+          <a:ea typeface="黑体" pitchFamily="49" charset="-122"/>
+          <a:sym typeface="Arial" pitchFamily="34" charset="0"/>
         </a:defRPr>
       </a:lvl4pPr>
       <a:lvl5pPr algn="l" rtl="0" eaLnBrk="0" fontAlgn="base" hangingPunct="0">
@@ -5319,9 +5319,9 @@
           <a:solidFill>
             <a:srgbClr val="F0DB6E"/>
           </a:solidFill>
-          <a:latin typeface="Arial" panose="020B0604020202020204" pitchFamily="34" charset="0"/>
-          <a:ea typeface="黑体" panose="02010609060101010101" pitchFamily="49" charset="-122"/>
-          <a:sym typeface="Arial" panose="020B0604020202020204" pitchFamily="34" charset="0"/>
+          <a:latin typeface="Arial" pitchFamily="34" charset="0"/>
+          <a:ea typeface="黑体" pitchFamily="49" charset="-122"/>
+          <a:sym typeface="Arial" pitchFamily="34" charset="0"/>
         </a:defRPr>
       </a:lvl5pPr>
       <a:lvl6pPr marL="457200" algn="l" rtl="0" eaLnBrk="0" fontAlgn="base" hangingPunct="0">
@@ -5335,9 +5335,9 @@
           <a:solidFill>
             <a:srgbClr val="F0DB6E"/>
           </a:solidFill>
-          <a:latin typeface="Arial" panose="020B0604020202020204" pitchFamily="34" charset="0"/>
-          <a:ea typeface="黑体" panose="02010609060101010101" pitchFamily="49" charset="-122"/>
-          <a:sym typeface="Arial" panose="020B0604020202020204" pitchFamily="34" charset="0"/>
+          <a:latin typeface="Arial" pitchFamily="34" charset="0"/>
+          <a:ea typeface="黑体" pitchFamily="49" charset="-122"/>
+          <a:sym typeface="Arial" pitchFamily="34" charset="0"/>
         </a:defRPr>
       </a:lvl6pPr>
       <a:lvl7pPr marL="914400" algn="l" rtl="0" eaLnBrk="0" fontAlgn="base" hangingPunct="0">
@@ -5351,9 +5351,9 @@
           <a:solidFill>
             <a:srgbClr val="F0DB6E"/>
           </a:solidFill>
-          <a:latin typeface="Arial" panose="020B0604020202020204" pitchFamily="34" charset="0"/>
-          <a:ea typeface="黑体" panose="02010609060101010101" pitchFamily="49" charset="-122"/>
-          <a:sym typeface="Arial" panose="020B0604020202020204" pitchFamily="34" charset="0"/>
+          <a:latin typeface="Arial" pitchFamily="34" charset="0"/>
+          <a:ea typeface="黑体" pitchFamily="49" charset="-122"/>
+          <a:sym typeface="Arial" pitchFamily="34" charset="0"/>
         </a:defRPr>
       </a:lvl7pPr>
       <a:lvl8pPr marL="1371600" algn="l" rtl="0" eaLnBrk="0" fontAlgn="base" hangingPunct="0">
@@ -5367,9 +5367,9 @@
           <a:solidFill>
             <a:srgbClr val="F0DB6E"/>
           </a:solidFill>
-          <a:latin typeface="Arial" panose="020B0604020202020204" pitchFamily="34" charset="0"/>
-          <a:ea typeface="黑体" panose="02010609060101010101" pitchFamily="49" charset="-122"/>
-          <a:sym typeface="Arial" panose="020B0604020202020204" pitchFamily="34" charset="0"/>
+          <a:latin typeface="Arial" pitchFamily="34" charset="0"/>
+          <a:ea typeface="黑体" pitchFamily="49" charset="-122"/>
+          <a:sym typeface="Arial" pitchFamily="34" charset="0"/>
         </a:defRPr>
       </a:lvl8pPr>
       <a:lvl9pPr marL="1828800" algn="l" rtl="0" eaLnBrk="0" fontAlgn="base" hangingPunct="0">
@@ -5383,9 +5383,9 @@
           <a:solidFill>
             <a:srgbClr val="F0DB6E"/>
           </a:solidFill>
-          <a:latin typeface="Arial" panose="020B0604020202020204" pitchFamily="34" charset="0"/>
-          <a:ea typeface="黑体" panose="02010609060101010101" pitchFamily="49" charset="-122"/>
-          <a:sym typeface="Arial" panose="020B0604020202020204" pitchFamily="34" charset="0"/>
+          <a:latin typeface="Arial" pitchFamily="34" charset="0"/>
+          <a:ea typeface="黑体" pitchFamily="49" charset="-122"/>
+          <a:sym typeface="Arial" pitchFamily="34" charset="0"/>
         </a:defRPr>
       </a:lvl9pPr>
     </p:titleStyle>
@@ -5402,10 +5402,10 @@
           <a:solidFill>
             <a:schemeClr val="tx1"/>
           </a:solidFill>
-          <a:latin typeface="Arial" panose="020B0604020202020204" pitchFamily="34" charset="0"/>
-          <a:ea typeface="黑体" panose="02010609060101010101" pitchFamily="49" charset="-122"/>
+          <a:latin typeface="Arial" pitchFamily="34" charset="0"/>
+          <a:ea typeface="黑体" pitchFamily="49" charset="-122"/>
           <a:cs typeface="+mn-cs"/>
-          <a:sym typeface="Arial" panose="020B0604020202020204" pitchFamily="34" charset="0"/>
+          <a:sym typeface="Arial" pitchFamily="34" charset="0"/>
         </a:defRPr>
       </a:lvl1pPr>
       <a:lvl2pPr marL="742950" indent="-285750" algn="l" rtl="0" eaLnBrk="0" fontAlgn="base" hangingPunct="0">
@@ -5415,16 +5415,16 @@
         <a:spcAft>
           <a:spcPct val="0"/>
         </a:spcAft>
-        <a:buFont typeface="Arial" panose="020B0604020202020204" pitchFamily="34" charset="0"/>
+        <a:buFont typeface="Arial" pitchFamily="34" charset="0"/>
         <a:buChar char="•"/>
         <a:defRPr sz="2000" kern="1200">
           <a:solidFill>
             <a:schemeClr val="tx1"/>
           </a:solidFill>
-          <a:latin typeface="Arial" panose="020B0604020202020204" pitchFamily="34" charset="0"/>
-          <a:ea typeface="黑体" panose="02010609060101010101" pitchFamily="49" charset="-122"/>
+          <a:latin typeface="Arial" pitchFamily="34" charset="0"/>
+          <a:ea typeface="黑体" pitchFamily="49" charset="-122"/>
           <a:cs typeface="+mn-cs"/>
-          <a:sym typeface="Arial" panose="020B0604020202020204" pitchFamily="34" charset="0"/>
+          <a:sym typeface="Arial" pitchFamily="34" charset="0"/>
         </a:defRPr>
       </a:lvl2pPr>
       <a:lvl3pPr marL="1200150" indent="-285750" algn="l" rtl="0" eaLnBrk="0" fontAlgn="base" hangingPunct="0">
@@ -5434,16 +5434,16 @@
         <a:spcAft>
           <a:spcPct val="0"/>
         </a:spcAft>
-        <a:buFont typeface="Arial" panose="020B0604020202020204" pitchFamily="34" charset="0"/>
+        <a:buFont typeface="Arial" pitchFamily="34" charset="0"/>
         <a:buChar char="•"/>
         <a:defRPr kern="1200">
           <a:solidFill>
             <a:schemeClr val="tx1"/>
           </a:solidFill>
-          <a:latin typeface="Arial" panose="020B0604020202020204" pitchFamily="34" charset="0"/>
-          <a:ea typeface="黑体" panose="02010609060101010101" pitchFamily="49" charset="-122"/>
+          <a:latin typeface="Arial" pitchFamily="34" charset="0"/>
+          <a:ea typeface="黑体" pitchFamily="49" charset="-122"/>
           <a:cs typeface="+mn-cs"/>
-          <a:sym typeface="Arial" panose="020B0604020202020204" pitchFamily="34" charset="0"/>
+          <a:sym typeface="Arial" pitchFamily="34" charset="0"/>
         </a:defRPr>
       </a:lvl3pPr>
       <a:lvl4pPr marL="1657350" indent="-285750" algn="l" rtl="0" eaLnBrk="0" fontAlgn="base" hangingPunct="0">
@@ -5453,16 +5453,16 @@
         <a:spcAft>
           <a:spcPct val="0"/>
         </a:spcAft>
-        <a:buFont typeface="Arial" panose="020B0604020202020204" pitchFamily="34" charset="0"/>
+        <a:buFont typeface="Arial" pitchFamily="34" charset="0"/>
         <a:buChar char="•"/>
         <a:defRPr kern="1200">
           <a:solidFill>
             <a:schemeClr val="tx1"/>
           </a:solidFill>
-          <a:latin typeface="Arial" panose="020B0604020202020204" pitchFamily="34" charset="0"/>
-          <a:ea typeface="黑体" panose="02010609060101010101" pitchFamily="49" charset="-122"/>
+          <a:latin typeface="Arial" pitchFamily="34" charset="0"/>
+          <a:ea typeface="黑体" pitchFamily="49" charset="-122"/>
           <a:cs typeface="+mn-cs"/>
-          <a:sym typeface="Arial" panose="020B0604020202020204" pitchFamily="34" charset="0"/>
+          <a:sym typeface="Arial" pitchFamily="34" charset="0"/>
         </a:defRPr>
       </a:lvl4pPr>
       <a:lvl5pPr marL="2114550" indent="-285750" algn="l" rtl="0" eaLnBrk="0" fontAlgn="base" hangingPunct="0">
@@ -5472,16 +5472,16 @@
         <a:spcAft>
           <a:spcPct val="0"/>
         </a:spcAft>
-        <a:buFont typeface="Arial" panose="020B0604020202020204" pitchFamily="34" charset="0"/>
+        <a:buFont typeface="Arial" pitchFamily="34" charset="0"/>
         <a:buChar char="•"/>
         <a:defRPr kern="1200">
           <a:solidFill>
             <a:schemeClr val="tx1"/>
           </a:solidFill>
-          <a:latin typeface="Arial" panose="020B0604020202020204" pitchFamily="34" charset="0"/>
-          <a:ea typeface="黑体" panose="02010609060101010101" pitchFamily="49" charset="-122"/>
+          <a:latin typeface="Arial" pitchFamily="34" charset="0"/>
+          <a:ea typeface="黑体" pitchFamily="49" charset="-122"/>
           <a:cs typeface="+mn-cs"/>
-          <a:sym typeface="Arial" panose="020B0604020202020204" pitchFamily="34" charset="0"/>
+          <a:sym typeface="Arial" pitchFamily="34" charset="0"/>
         </a:defRPr>
       </a:lvl5pPr>
       <a:lvl6pPr marL="2514600" indent="-228600" algn="l" defTabSz="914400" rtl="0" eaLnBrk="1" latinLnBrk="0" hangingPunct="1">
@@ -5491,7 +5491,7 @@
         <a:spcBef>
           <a:spcPts val="500"/>
         </a:spcBef>
-        <a:buFont typeface="Arial" panose="020B0604020202020204" pitchFamily="34" charset="0"/>
+        <a:buFont typeface="Arial" pitchFamily="34" charset="0"/>
         <a:buChar char="•"/>
         <a:defRPr sz="1800" kern="1200">
           <a:solidFill>
@@ -5509,7 +5509,7 @@
         <a:spcBef>
           <a:spcPts val="500"/>
         </a:spcBef>
-        <a:buFont typeface="Arial" panose="020B0604020202020204" pitchFamily="34" charset="0"/>
+        <a:buFont typeface="Arial" pitchFamily="34" charset="0"/>
         <a:buChar char="•"/>
         <a:defRPr sz="1800" kern="1200">
           <a:solidFill>
@@ -5527,7 +5527,7 @@
         <a:spcBef>
           <a:spcPts val="500"/>
         </a:spcBef>
-        <a:buFont typeface="Arial" panose="020B0604020202020204" pitchFamily="34" charset="0"/>
+        <a:buFont typeface="Arial" pitchFamily="34" charset="0"/>
         <a:buChar char="•"/>
         <a:defRPr sz="1800" kern="1200">
           <a:solidFill>
@@ -5545,7 +5545,7 @@
         <a:spcBef>
           <a:spcPts val="500"/>
         </a:spcBef>
-        <a:buFont typeface="Arial" panose="020B0604020202020204" pitchFamily="34" charset="0"/>
+        <a:buFont typeface="Arial" pitchFamily="34" charset="0"/>
         <a:buChar char="•"/>
         <a:defRPr sz="1800" kern="1200">
           <a:solidFill>
@@ -5810,7 +5810,7 @@
               <a:spcBef>
                 <a:spcPts val="1000"/>
               </a:spcBef>
-              <a:buFont typeface="Arial" panose="020B0604020202020204" pitchFamily="34" charset="0"/>
+              <a:buFont typeface="Arial" pitchFamily="34" charset="0"/>
               <a:buChar char="•"/>
               <a:defRPr sz="2800"/>
             </a:lvl1pPr>
@@ -5821,7 +5821,7 @@
               <a:spcBef>
                 <a:spcPts val="500"/>
               </a:spcBef>
-              <a:buFont typeface="Arial" panose="020B0604020202020204" pitchFamily="34" charset="0"/>
+              <a:buFont typeface="Arial" pitchFamily="34" charset="0"/>
               <a:buChar char="•"/>
               <a:defRPr sz="2400"/>
             </a:lvl2pPr>
@@ -5832,7 +5832,7 @@
               <a:spcBef>
                 <a:spcPts val="500"/>
               </a:spcBef>
-              <a:buFont typeface="Arial" panose="020B0604020202020204" pitchFamily="34" charset="0"/>
+              <a:buFont typeface="Arial" pitchFamily="34" charset="0"/>
               <a:buChar char="•"/>
               <a:defRPr sz="2000"/>
             </a:lvl3pPr>
@@ -5843,7 +5843,7 @@
               <a:spcBef>
                 <a:spcPts val="500"/>
               </a:spcBef>
-              <a:buFont typeface="Arial" panose="020B0604020202020204" pitchFamily="34" charset="0"/>
+              <a:buFont typeface="Arial" pitchFamily="34" charset="0"/>
               <a:buChar char="•"/>
             </a:lvl4pPr>
             <a:lvl5pPr marL="2057400" lvl="4" indent="-228600">
@@ -5853,7 +5853,7 @@
               <a:spcBef>
                 <a:spcPts val="500"/>
               </a:spcBef>
-              <a:buFont typeface="Arial" panose="020B0604020202020204" pitchFamily="34" charset="0"/>
+              <a:buFont typeface="Arial" pitchFamily="34" charset="0"/>
               <a:buChar char="•"/>
             </a:lvl5pPr>
             <a:lvl6pPr marL="2514600" indent="-228600">
@@ -5863,7 +5863,7 @@
               <a:spcBef>
                 <a:spcPts val="500"/>
               </a:spcBef>
-              <a:buFont typeface="Arial" panose="020B0604020202020204" pitchFamily="34" charset="0"/>
+              <a:buFont typeface="Arial" pitchFamily="34" charset="0"/>
               <a:buChar char="•"/>
             </a:lvl6pPr>
             <a:lvl7pPr marL="2971800" indent="-228600">
@@ -5873,7 +5873,7 @@
               <a:spcBef>
                 <a:spcPts val="500"/>
               </a:spcBef>
-              <a:buFont typeface="Arial" panose="020B0604020202020204" pitchFamily="34" charset="0"/>
+              <a:buFont typeface="Arial" pitchFamily="34" charset="0"/>
               <a:buChar char="•"/>
             </a:lvl7pPr>
             <a:lvl8pPr marL="3429000" indent="-228600">
@@ -5883,7 +5883,7 @@
               <a:spcBef>
                 <a:spcPts val="500"/>
               </a:spcBef>
-              <a:buFont typeface="Arial" panose="020B0604020202020204" pitchFamily="34" charset="0"/>
+              <a:buFont typeface="Arial" pitchFamily="34" charset="0"/>
               <a:buChar char="•"/>
             </a:lvl8pPr>
             <a:lvl9pPr marL="3886200" indent="-228600">
@@ -5893,7 +5893,7 @@
               <a:spcBef>
                 <a:spcPts val="500"/>
               </a:spcBef>
-              <a:buFont typeface="Arial" panose="020B0604020202020204" pitchFamily="34" charset="0"/>
+              <a:buFont typeface="Arial" pitchFamily="34" charset="0"/>
               <a:buChar char="•"/>
             </a:lvl9pPr>
           </a:lstStyle>
@@ -6063,7 +6063,7 @@
               <a:spcBef>
                 <a:spcPts val="1000"/>
               </a:spcBef>
-              <a:buFont typeface="Arial" panose="020B0604020202020204" pitchFamily="34" charset="0"/>
+              <a:buFont typeface="Arial" pitchFamily="34" charset="0"/>
               <a:buChar char="•"/>
               <a:defRPr sz="2800"/>
             </a:lvl1pPr>
@@ -6074,7 +6074,7 @@
               <a:spcBef>
                 <a:spcPts val="500"/>
               </a:spcBef>
-              <a:buFont typeface="Arial" panose="020B0604020202020204" pitchFamily="34" charset="0"/>
+              <a:buFont typeface="Arial" pitchFamily="34" charset="0"/>
               <a:buChar char="•"/>
               <a:defRPr sz="2400"/>
             </a:lvl2pPr>
@@ -6085,7 +6085,7 @@
               <a:spcBef>
                 <a:spcPts val="500"/>
               </a:spcBef>
-              <a:buFont typeface="Arial" panose="020B0604020202020204" pitchFamily="34" charset="0"/>
+              <a:buFont typeface="Arial" pitchFamily="34" charset="0"/>
               <a:buChar char="•"/>
               <a:defRPr sz="2000"/>
             </a:lvl3pPr>
@@ -6096,7 +6096,7 @@
               <a:spcBef>
                 <a:spcPts val="500"/>
               </a:spcBef>
-              <a:buFont typeface="Arial" panose="020B0604020202020204" pitchFamily="34" charset="0"/>
+              <a:buFont typeface="Arial" pitchFamily="34" charset="0"/>
               <a:buChar char="•"/>
             </a:lvl4pPr>
             <a:lvl5pPr marL="2057400" lvl="4" indent="-228600">
@@ -6106,7 +6106,7 @@
               <a:spcBef>
                 <a:spcPts val="500"/>
               </a:spcBef>
-              <a:buFont typeface="Arial" panose="020B0604020202020204" pitchFamily="34" charset="0"/>
+              <a:buFont typeface="Arial" pitchFamily="34" charset="0"/>
               <a:buChar char="•"/>
             </a:lvl5pPr>
             <a:lvl6pPr marL="2514600" indent="-228600">
@@ -6116,7 +6116,7 @@
               <a:spcBef>
                 <a:spcPts val="500"/>
               </a:spcBef>
-              <a:buFont typeface="Arial" panose="020B0604020202020204" pitchFamily="34" charset="0"/>
+              <a:buFont typeface="Arial" pitchFamily="34" charset="0"/>
               <a:buChar char="•"/>
             </a:lvl6pPr>
             <a:lvl7pPr marL="2971800" indent="-228600">
@@ -6126,7 +6126,7 @@
               <a:spcBef>
                 <a:spcPts val="500"/>
               </a:spcBef>
-              <a:buFont typeface="Arial" panose="020B0604020202020204" pitchFamily="34" charset="0"/>
+              <a:buFont typeface="Arial" pitchFamily="34" charset="0"/>
               <a:buChar char="•"/>
             </a:lvl7pPr>
             <a:lvl8pPr marL="3429000" indent="-228600">
@@ -6136,7 +6136,7 @@
               <a:spcBef>
                 <a:spcPts val="500"/>
               </a:spcBef>
-              <a:buFont typeface="Arial" panose="020B0604020202020204" pitchFamily="34" charset="0"/>
+              <a:buFont typeface="Arial" pitchFamily="34" charset="0"/>
               <a:buChar char="•"/>
             </a:lvl8pPr>
             <a:lvl9pPr marL="3886200" indent="-228600">
@@ -6146,7 +6146,7 @@
               <a:spcBef>
                 <a:spcPts val="500"/>
               </a:spcBef>
-              <a:buFont typeface="Arial" panose="020B0604020202020204" pitchFamily="34" charset="0"/>
+              <a:buFont typeface="Arial" pitchFamily="34" charset="0"/>
               <a:buChar char="•"/>
             </a:lvl9pPr>
           </a:lstStyle>
@@ -6300,7 +6300,7 @@
               <a:spcBef>
                 <a:spcPts val="1000"/>
               </a:spcBef>
-              <a:buFont typeface="Arial" panose="020B0604020202020204" pitchFamily="34" charset="0"/>
+              <a:buFont typeface="Arial" pitchFamily="34" charset="0"/>
               <a:buChar char="•"/>
               <a:defRPr sz="2800"/>
             </a:lvl1pPr>
@@ -6311,7 +6311,7 @@
               <a:spcBef>
                 <a:spcPts val="500"/>
               </a:spcBef>
-              <a:buFont typeface="Arial" panose="020B0604020202020204" pitchFamily="34" charset="0"/>
+              <a:buFont typeface="Arial" pitchFamily="34" charset="0"/>
               <a:buChar char="•"/>
               <a:defRPr sz="2400"/>
             </a:lvl2pPr>
@@ -6322,7 +6322,7 @@
               <a:spcBef>
                 <a:spcPts val="500"/>
               </a:spcBef>
-              <a:buFont typeface="Arial" panose="020B0604020202020204" pitchFamily="34" charset="0"/>
+              <a:buFont typeface="Arial" pitchFamily="34" charset="0"/>
               <a:buChar char="•"/>
               <a:defRPr sz="2000"/>
             </a:lvl3pPr>
@@ -6333,7 +6333,7 @@
               <a:spcBef>
                 <a:spcPts val="500"/>
               </a:spcBef>
-              <a:buFont typeface="Arial" panose="020B0604020202020204" pitchFamily="34" charset="0"/>
+              <a:buFont typeface="Arial" pitchFamily="34" charset="0"/>
               <a:buChar char="•"/>
             </a:lvl4pPr>
             <a:lvl5pPr marL="2057400" lvl="4" indent="-228600">
@@ -6343,7 +6343,7 @@
               <a:spcBef>
                 <a:spcPts val="500"/>
               </a:spcBef>
-              <a:buFont typeface="Arial" panose="020B0604020202020204" pitchFamily="34" charset="0"/>
+              <a:buFont typeface="Arial" pitchFamily="34" charset="0"/>
               <a:buChar char="•"/>
             </a:lvl5pPr>
             <a:lvl6pPr marL="2514600" indent="-228600">
@@ -6353,7 +6353,7 @@
               <a:spcBef>
                 <a:spcPts val="500"/>
               </a:spcBef>
-              <a:buFont typeface="Arial" panose="020B0604020202020204" pitchFamily="34" charset="0"/>
+              <a:buFont typeface="Arial" pitchFamily="34" charset="0"/>
               <a:buChar char="•"/>
             </a:lvl6pPr>
             <a:lvl7pPr marL="2971800" indent="-228600">
@@ -6363,7 +6363,7 @@
               <a:spcBef>
                 <a:spcPts val="500"/>
               </a:spcBef>
-              <a:buFont typeface="Arial" panose="020B0604020202020204" pitchFamily="34" charset="0"/>
+              <a:buFont typeface="Arial" pitchFamily="34" charset="0"/>
               <a:buChar char="•"/>
             </a:lvl7pPr>
             <a:lvl8pPr marL="3429000" indent="-228600">
@@ -6373,7 +6373,7 @@
               <a:spcBef>
                 <a:spcPts val="500"/>
               </a:spcBef>
-              <a:buFont typeface="Arial" panose="020B0604020202020204" pitchFamily="34" charset="0"/>
+              <a:buFont typeface="Arial" pitchFamily="34" charset="0"/>
               <a:buChar char="•"/>
             </a:lvl8pPr>
             <a:lvl9pPr marL="3886200" indent="-228600">
@@ -6383,7 +6383,7 @@
               <a:spcBef>
                 <a:spcPts val="500"/>
               </a:spcBef>
-              <a:buFont typeface="Arial" panose="020B0604020202020204" pitchFamily="34" charset="0"/>
+              <a:buFont typeface="Arial" pitchFamily="34" charset="0"/>
               <a:buChar char="•"/>
             </a:lvl9pPr>
           </a:lstStyle>
@@ -6532,7 +6532,7 @@
               <a:spcBef>
                 <a:spcPts val="1000"/>
               </a:spcBef>
-              <a:buFont typeface="Arial" panose="020B0604020202020204" pitchFamily="34" charset="0"/>
+              <a:buFont typeface="Arial" pitchFamily="34" charset="0"/>
               <a:buChar char="•"/>
               <a:defRPr sz="2800"/>
             </a:lvl1pPr>
@@ -6543,7 +6543,7 @@
               <a:spcBef>
                 <a:spcPts val="500"/>
               </a:spcBef>
-              <a:buFont typeface="Arial" panose="020B0604020202020204" pitchFamily="34" charset="0"/>
+              <a:buFont typeface="Arial" pitchFamily="34" charset="0"/>
               <a:buChar char="•"/>
               <a:defRPr sz="2400"/>
             </a:lvl2pPr>
@@ -6554,7 +6554,7 @@
               <a:spcBef>
                 <a:spcPts val="500"/>
               </a:spcBef>
-              <a:buFont typeface="Arial" panose="020B0604020202020204" pitchFamily="34" charset="0"/>
+              <a:buFont typeface="Arial" pitchFamily="34" charset="0"/>
               <a:buChar char="•"/>
               <a:defRPr sz="2000"/>
             </a:lvl3pPr>
@@ -6565,7 +6565,7 @@
               <a:spcBef>
                 <a:spcPts val="500"/>
               </a:spcBef>
-              <a:buFont typeface="Arial" panose="020B0604020202020204" pitchFamily="34" charset="0"/>
+              <a:buFont typeface="Arial" pitchFamily="34" charset="0"/>
               <a:buChar char="•"/>
             </a:lvl4pPr>
             <a:lvl5pPr marL="2057400" lvl="4" indent="-228600">
@@ -6575,7 +6575,7 @@
               <a:spcBef>
                 <a:spcPts val="500"/>
               </a:spcBef>
-              <a:buFont typeface="Arial" panose="020B0604020202020204" pitchFamily="34" charset="0"/>
+              <a:buFont typeface="Arial" pitchFamily="34" charset="0"/>
               <a:buChar char="•"/>
             </a:lvl5pPr>
             <a:lvl6pPr marL="2514600" indent="-228600">
@@ -6585,7 +6585,7 @@
               <a:spcBef>
                 <a:spcPts val="500"/>
               </a:spcBef>
-              <a:buFont typeface="Arial" panose="020B0604020202020204" pitchFamily="34" charset="0"/>
+              <a:buFont typeface="Arial" pitchFamily="34" charset="0"/>
               <a:buChar char="•"/>
             </a:lvl6pPr>
             <a:lvl7pPr marL="2971800" indent="-228600">
@@ -6595,7 +6595,7 @@
               <a:spcBef>
                 <a:spcPts val="500"/>
               </a:spcBef>
-              <a:buFont typeface="Arial" panose="020B0604020202020204" pitchFamily="34" charset="0"/>
+              <a:buFont typeface="Arial" pitchFamily="34" charset="0"/>
               <a:buChar char="•"/>
             </a:lvl7pPr>
             <a:lvl8pPr marL="3429000" indent="-228600">
@@ -6605,7 +6605,7 @@
               <a:spcBef>
                 <a:spcPts val="500"/>
               </a:spcBef>
-              <a:buFont typeface="Arial" panose="020B0604020202020204" pitchFamily="34" charset="0"/>
+              <a:buFont typeface="Arial" pitchFamily="34" charset="0"/>
               <a:buChar char="•"/>
             </a:lvl8pPr>
             <a:lvl9pPr marL="3886200" indent="-228600">
@@ -6615,7 +6615,7 @@
               <a:spcBef>
                 <a:spcPts val="500"/>
               </a:spcBef>
-              <a:buFont typeface="Arial" panose="020B0604020202020204" pitchFamily="34" charset="0"/>
+              <a:buFont typeface="Arial" pitchFamily="34" charset="0"/>
               <a:buChar char="•"/>
             </a:lvl9pPr>
           </a:lstStyle>
@@ -6983,7 +6983,7 @@
               <a:spcBef>
                 <a:spcPts val="1000"/>
               </a:spcBef>
-              <a:buFont typeface="Arial" panose="020B0604020202020204" pitchFamily="34" charset="0"/>
+              <a:buFont typeface="Arial" pitchFamily="34" charset="0"/>
               <a:buChar char="•"/>
               <a:defRPr sz="2800"/>
             </a:lvl1pPr>
@@ -6994,7 +6994,7 @@
               <a:spcBef>
                 <a:spcPts val="500"/>
               </a:spcBef>
-              <a:buFont typeface="Arial" panose="020B0604020202020204" pitchFamily="34" charset="0"/>
+              <a:buFont typeface="Arial" pitchFamily="34" charset="0"/>
               <a:buChar char="•"/>
               <a:defRPr sz="2400"/>
             </a:lvl2pPr>
@@ -7005,7 +7005,7 @@
               <a:spcBef>
                 <a:spcPts val="500"/>
               </a:spcBef>
-              <a:buFont typeface="Arial" panose="020B0604020202020204" pitchFamily="34" charset="0"/>
+              <a:buFont typeface="Arial" pitchFamily="34" charset="0"/>
               <a:buChar char="•"/>
               <a:defRPr sz="2000"/>
             </a:lvl3pPr>
@@ -7016,7 +7016,7 @@
               <a:spcBef>
                 <a:spcPts val="500"/>
               </a:spcBef>
-              <a:buFont typeface="Arial" panose="020B0604020202020204" pitchFamily="34" charset="0"/>
+              <a:buFont typeface="Arial" pitchFamily="34" charset="0"/>
               <a:buChar char="•"/>
             </a:lvl4pPr>
             <a:lvl5pPr marL="2057400" lvl="4" indent="-228600">
@@ -7026,7 +7026,7 @@
               <a:spcBef>
                 <a:spcPts val="500"/>
               </a:spcBef>
-              <a:buFont typeface="Arial" panose="020B0604020202020204" pitchFamily="34" charset="0"/>
+              <a:buFont typeface="Arial" pitchFamily="34" charset="0"/>
               <a:buChar char="•"/>
             </a:lvl5pPr>
             <a:lvl6pPr marL="2514600" indent="-228600">
@@ -7036,7 +7036,7 @@
               <a:spcBef>
                 <a:spcPts val="500"/>
               </a:spcBef>
-              <a:buFont typeface="Arial" panose="020B0604020202020204" pitchFamily="34" charset="0"/>
+              <a:buFont typeface="Arial" pitchFamily="34" charset="0"/>
               <a:buChar char="•"/>
             </a:lvl6pPr>
             <a:lvl7pPr marL="2971800" indent="-228600">
@@ -7046,7 +7046,7 @@
               <a:spcBef>
                 <a:spcPts val="500"/>
               </a:spcBef>
-              <a:buFont typeface="Arial" panose="020B0604020202020204" pitchFamily="34" charset="0"/>
+              <a:buFont typeface="Arial" pitchFamily="34" charset="0"/>
               <a:buChar char="•"/>
             </a:lvl7pPr>
             <a:lvl8pPr marL="3429000" indent="-228600">
@@ -7056,7 +7056,7 @@
               <a:spcBef>
                 <a:spcPts val="500"/>
               </a:spcBef>
-              <a:buFont typeface="Arial" panose="020B0604020202020204" pitchFamily="34" charset="0"/>
+              <a:buFont typeface="Arial" pitchFamily="34" charset="0"/>
               <a:buChar char="•"/>
             </a:lvl8pPr>
             <a:lvl9pPr marL="3886200" indent="-228600">
@@ -7066,7 +7066,7 @@
               <a:spcBef>
                 <a:spcPts val="500"/>
               </a:spcBef>
-              <a:buFont typeface="Arial" panose="020B0604020202020204" pitchFamily="34" charset="0"/>
+              <a:buFont typeface="Arial" pitchFamily="34" charset="0"/>
               <a:buChar char="•"/>
             </a:lvl9pPr>
           </a:lstStyle>
@@ -7259,7 +7259,7 @@
               <a:spcBef>
                 <a:spcPts val="1000"/>
               </a:spcBef>
-              <a:buFont typeface="Arial" panose="020B0604020202020204" pitchFamily="34" charset="0"/>
+              <a:buFont typeface="Arial" pitchFamily="34" charset="0"/>
               <a:buChar char="•"/>
               <a:defRPr sz="2800"/>
             </a:lvl1pPr>
@@ -7270,7 +7270,7 @@
               <a:spcBef>
                 <a:spcPts val="500"/>
               </a:spcBef>
-              <a:buFont typeface="Arial" panose="020B0604020202020204" pitchFamily="34" charset="0"/>
+              <a:buFont typeface="Arial" pitchFamily="34" charset="0"/>
               <a:buChar char="•"/>
               <a:defRPr sz="2400"/>
             </a:lvl2pPr>
@@ -7281,7 +7281,7 @@
               <a:spcBef>
                 <a:spcPts val="500"/>
               </a:spcBef>
-              <a:buFont typeface="Arial" panose="020B0604020202020204" pitchFamily="34" charset="0"/>
+              <a:buFont typeface="Arial" pitchFamily="34" charset="0"/>
               <a:buChar char="•"/>
               <a:defRPr sz="2000"/>
             </a:lvl3pPr>
@@ -7292,7 +7292,7 @@
               <a:spcBef>
                 <a:spcPts val="500"/>
               </a:spcBef>
-              <a:buFont typeface="Arial" panose="020B0604020202020204" pitchFamily="34" charset="0"/>
+              <a:buFont typeface="Arial" pitchFamily="34" charset="0"/>
               <a:buChar char="•"/>
             </a:lvl4pPr>
             <a:lvl5pPr marL="2057400" lvl="4" indent="-228600">
@@ -7302,7 +7302,7 @@
               <a:spcBef>
                 <a:spcPts val="500"/>
               </a:spcBef>
-              <a:buFont typeface="Arial" panose="020B0604020202020204" pitchFamily="34" charset="0"/>
+              <a:buFont typeface="Arial" pitchFamily="34" charset="0"/>
               <a:buChar char="•"/>
             </a:lvl5pPr>
             <a:lvl6pPr marL="2514600" indent="-228600">
@@ -7312,7 +7312,7 @@
               <a:spcBef>
                 <a:spcPts val="500"/>
               </a:spcBef>
-              <a:buFont typeface="Arial" panose="020B0604020202020204" pitchFamily="34" charset="0"/>
+              <a:buFont typeface="Arial" pitchFamily="34" charset="0"/>
               <a:buChar char="•"/>
             </a:lvl6pPr>
             <a:lvl7pPr marL="2971800" indent="-228600">
@@ -7322,7 +7322,7 @@
               <a:spcBef>
                 <a:spcPts val="500"/>
               </a:spcBef>
-              <a:buFont typeface="Arial" panose="020B0604020202020204" pitchFamily="34" charset="0"/>
+              <a:buFont typeface="Arial" pitchFamily="34" charset="0"/>
               <a:buChar char="•"/>
             </a:lvl7pPr>
             <a:lvl8pPr marL="3429000" indent="-228600">
@@ -7332,7 +7332,7 @@
               <a:spcBef>
                 <a:spcPts val="500"/>
               </a:spcBef>
-              <a:buFont typeface="Arial" panose="020B0604020202020204" pitchFamily="34" charset="0"/>
+              <a:buFont typeface="Arial" pitchFamily="34" charset="0"/>
               <a:buChar char="•"/>
             </a:lvl8pPr>
             <a:lvl9pPr marL="3886200" indent="-228600">
@@ -7342,7 +7342,7 @@
               <a:spcBef>
                 <a:spcPts val="500"/>
               </a:spcBef>
-              <a:buFont typeface="Arial" panose="020B0604020202020204" pitchFamily="34" charset="0"/>
+              <a:buFont typeface="Arial" pitchFamily="34" charset="0"/>
               <a:buChar char="•"/>
             </a:lvl9pPr>
           </a:lstStyle>
@@ -7571,7 +7571,7 @@
               <a:spcBef>
                 <a:spcPts val="1000"/>
               </a:spcBef>
-              <a:buFont typeface="Arial" panose="020B0604020202020204" pitchFamily="34" charset="0"/>
+              <a:buFont typeface="Arial" pitchFamily="34" charset="0"/>
               <a:buChar char="•"/>
               <a:defRPr sz="2800"/>
             </a:lvl1pPr>
@@ -7582,7 +7582,7 @@
               <a:spcBef>
                 <a:spcPts val="500"/>
               </a:spcBef>
-              <a:buFont typeface="Arial" panose="020B0604020202020204" pitchFamily="34" charset="0"/>
+              <a:buFont typeface="Arial" pitchFamily="34" charset="0"/>
               <a:buChar char="•"/>
               <a:defRPr sz="2400"/>
             </a:lvl2pPr>
@@ -7593,7 +7593,7 @@
               <a:spcBef>
                 <a:spcPts val="500"/>
               </a:spcBef>
-              <a:buFont typeface="Arial" panose="020B0604020202020204" pitchFamily="34" charset="0"/>
+              <a:buFont typeface="Arial" pitchFamily="34" charset="0"/>
               <a:buChar char="•"/>
               <a:defRPr sz="2000"/>
             </a:lvl3pPr>
@@ -7604,7 +7604,7 @@
               <a:spcBef>
                 <a:spcPts val="500"/>
               </a:spcBef>
-              <a:buFont typeface="Arial" panose="020B0604020202020204" pitchFamily="34" charset="0"/>
+              <a:buFont typeface="Arial" pitchFamily="34" charset="0"/>
               <a:buChar char="•"/>
             </a:lvl4pPr>
             <a:lvl5pPr marL="2057400" lvl="4" indent="-228600">
@@ -7614,7 +7614,7 @@
               <a:spcBef>
                 <a:spcPts val="500"/>
               </a:spcBef>
-              <a:buFont typeface="Arial" panose="020B0604020202020204" pitchFamily="34" charset="0"/>
+              <a:buFont typeface="Arial" pitchFamily="34" charset="0"/>
               <a:buChar char="•"/>
             </a:lvl5pPr>
             <a:lvl6pPr marL="2514600" indent="-228600">
@@ -7624,7 +7624,7 @@
               <a:spcBef>
                 <a:spcPts val="500"/>
               </a:spcBef>
-              <a:buFont typeface="Arial" panose="020B0604020202020204" pitchFamily="34" charset="0"/>
+              <a:buFont typeface="Arial" pitchFamily="34" charset="0"/>
               <a:buChar char="•"/>
             </a:lvl6pPr>
             <a:lvl7pPr marL="2971800" indent="-228600">
@@ -7634,7 +7634,7 @@
               <a:spcBef>
                 <a:spcPts val="500"/>
               </a:spcBef>
-              <a:buFont typeface="Arial" panose="020B0604020202020204" pitchFamily="34" charset="0"/>
+              <a:buFont typeface="Arial" pitchFamily="34" charset="0"/>
               <a:buChar char="•"/>
             </a:lvl7pPr>
             <a:lvl8pPr marL="3429000" indent="-228600">
@@ -7644,7 +7644,7 @@
               <a:spcBef>
                 <a:spcPts val="500"/>
               </a:spcBef>
-              <a:buFont typeface="Arial" panose="020B0604020202020204" pitchFamily="34" charset="0"/>
+              <a:buFont typeface="Arial" pitchFamily="34" charset="0"/>
               <a:buChar char="•"/>
             </a:lvl8pPr>
             <a:lvl9pPr marL="3886200" indent="-228600">
@@ -7654,7 +7654,7 @@
               <a:spcBef>
                 <a:spcPts val="500"/>
               </a:spcBef>
-              <a:buFont typeface="Arial" panose="020B0604020202020204" pitchFamily="34" charset="0"/>
+              <a:buFont typeface="Arial" pitchFamily="34" charset="0"/>
               <a:buChar char="•"/>
             </a:lvl9pPr>
           </a:lstStyle>
@@ -7875,7 +7875,7 @@
               <a:spcBef>
                 <a:spcPts val="1000"/>
               </a:spcBef>
-              <a:buFont typeface="Arial" panose="020B0604020202020204" pitchFamily="34" charset="0"/>
+              <a:buFont typeface="Arial" pitchFamily="34" charset="0"/>
               <a:buChar char="•"/>
               <a:defRPr sz="2800"/>
             </a:lvl1pPr>
@@ -7886,7 +7886,7 @@
               <a:spcBef>
                 <a:spcPts val="500"/>
               </a:spcBef>
-              <a:buFont typeface="Arial" panose="020B0604020202020204" pitchFamily="34" charset="0"/>
+              <a:buFont typeface="Arial" pitchFamily="34" charset="0"/>
               <a:buChar char="•"/>
               <a:defRPr sz="2400"/>
             </a:lvl2pPr>
@@ -7897,7 +7897,7 @@
               <a:spcBef>
                 <a:spcPts val="500"/>
               </a:spcBef>
-              <a:buFont typeface="Arial" panose="020B0604020202020204" pitchFamily="34" charset="0"/>
+              <a:buFont typeface="Arial" pitchFamily="34" charset="0"/>
               <a:buChar char="•"/>
               <a:defRPr sz="2000"/>
             </a:lvl3pPr>
@@ -7908,7 +7908,7 @@
               <a:spcBef>
                 <a:spcPts val="500"/>
               </a:spcBef>
-              <a:buFont typeface="Arial" panose="020B0604020202020204" pitchFamily="34" charset="0"/>
+              <a:buFont typeface="Arial" pitchFamily="34" charset="0"/>
               <a:buChar char="•"/>
             </a:lvl4pPr>
             <a:lvl5pPr marL="2057400" lvl="4" indent="-228600">
@@ -7918,7 +7918,7 @@
               <a:spcBef>
                 <a:spcPts val="500"/>
               </a:spcBef>
-              <a:buFont typeface="Arial" panose="020B0604020202020204" pitchFamily="34" charset="0"/>
+              <a:buFont typeface="Arial" pitchFamily="34" charset="0"/>
               <a:buChar char="•"/>
             </a:lvl5pPr>
             <a:lvl6pPr marL="2514600" indent="-228600">
@@ -7928,7 +7928,7 @@
               <a:spcBef>
                 <a:spcPts val="500"/>
               </a:spcBef>
-              <a:buFont typeface="Arial" panose="020B0604020202020204" pitchFamily="34" charset="0"/>
+              <a:buFont typeface="Arial" pitchFamily="34" charset="0"/>
               <a:buChar char="•"/>
             </a:lvl6pPr>
             <a:lvl7pPr marL="2971800" indent="-228600">
@@ -7938,7 +7938,7 @@
               <a:spcBef>
                 <a:spcPts val="500"/>
               </a:spcBef>
-              <a:buFont typeface="Arial" panose="020B0604020202020204" pitchFamily="34" charset="0"/>
+              <a:buFont typeface="Arial" pitchFamily="34" charset="0"/>
               <a:buChar char="•"/>
             </a:lvl7pPr>
             <a:lvl8pPr marL="3429000" indent="-228600">
@@ -7948,7 +7948,7 @@
               <a:spcBef>
                 <a:spcPts val="500"/>
               </a:spcBef>
-              <a:buFont typeface="Arial" panose="020B0604020202020204" pitchFamily="34" charset="0"/>
+              <a:buFont typeface="Arial" pitchFamily="34" charset="0"/>
               <a:buChar char="•"/>
             </a:lvl8pPr>
             <a:lvl9pPr marL="3886200" indent="-228600">
@@ -7958,7 +7958,7 @@
               <a:spcBef>
                 <a:spcPts val="500"/>
               </a:spcBef>
-              <a:buFont typeface="Arial" panose="020B0604020202020204" pitchFamily="34" charset="0"/>
+              <a:buFont typeface="Arial" pitchFamily="34" charset="0"/>
               <a:buChar char="•"/>
             </a:lvl9pPr>
           </a:lstStyle>
@@ -8172,7 +8172,7 @@
               <a:spcBef>
                 <a:spcPts val="1000"/>
               </a:spcBef>
-              <a:buFont typeface="Arial" panose="020B0604020202020204" pitchFamily="34" charset="0"/>
+              <a:buFont typeface="Arial" pitchFamily="34" charset="0"/>
               <a:buChar char="•"/>
               <a:defRPr sz="2800"/>
             </a:lvl1pPr>
@@ -8183,7 +8183,7 @@
               <a:spcBef>
                 <a:spcPts val="500"/>
               </a:spcBef>
-              <a:buFont typeface="Arial" panose="020B0604020202020204" pitchFamily="34" charset="0"/>
+              <a:buFont typeface="Arial" pitchFamily="34" charset="0"/>
               <a:buChar char="•"/>
               <a:defRPr sz="2400"/>
             </a:lvl2pPr>
@@ -8194,7 +8194,7 @@
               <a:spcBef>
                 <a:spcPts val="500"/>
               </a:spcBef>
-              <a:buFont typeface="Arial" panose="020B0604020202020204" pitchFamily="34" charset="0"/>
+              <a:buFont typeface="Arial" pitchFamily="34" charset="0"/>
               <a:buChar char="•"/>
               <a:defRPr sz="2000"/>
             </a:lvl3pPr>
@@ -8205,7 +8205,7 @@
               <a:spcBef>
                 <a:spcPts val="500"/>
               </a:spcBef>
-              <a:buFont typeface="Arial" panose="020B0604020202020204" pitchFamily="34" charset="0"/>
+              <a:buFont typeface="Arial" pitchFamily="34" charset="0"/>
               <a:buChar char="•"/>
             </a:lvl4pPr>
             <a:lvl5pPr marL="2057400" lvl="4" indent="-228600">
@@ -8215,7 +8215,7 @@
               <a:spcBef>
                 <a:spcPts val="500"/>
               </a:spcBef>
-              <a:buFont typeface="Arial" panose="020B0604020202020204" pitchFamily="34" charset="0"/>
+              <a:buFont typeface="Arial" pitchFamily="34" charset="0"/>
               <a:buChar char="•"/>
             </a:lvl5pPr>
             <a:lvl6pPr marL="2514600" indent="-228600">
@@ -8225,7 +8225,7 @@
               <a:spcBef>
                 <a:spcPts val="500"/>
               </a:spcBef>
-              <a:buFont typeface="Arial" panose="020B0604020202020204" pitchFamily="34" charset="0"/>
+              <a:buFont typeface="Arial" pitchFamily="34" charset="0"/>
               <a:buChar char="•"/>
             </a:lvl6pPr>
             <a:lvl7pPr marL="2971800" indent="-228600">
@@ -8235,7 +8235,7 @@
               <a:spcBef>
                 <a:spcPts val="500"/>
               </a:spcBef>
-              <a:buFont typeface="Arial" panose="020B0604020202020204" pitchFamily="34" charset="0"/>
+              <a:buFont typeface="Arial" pitchFamily="34" charset="0"/>
               <a:buChar char="•"/>
             </a:lvl7pPr>
             <a:lvl8pPr marL="3429000" indent="-228600">
@@ -8245,7 +8245,7 @@
               <a:spcBef>
                 <a:spcPts val="500"/>
               </a:spcBef>
-              <a:buFont typeface="Arial" panose="020B0604020202020204" pitchFamily="34" charset="0"/>
+              <a:buFont typeface="Arial" pitchFamily="34" charset="0"/>
               <a:buChar char="•"/>
             </a:lvl8pPr>
             <a:lvl9pPr marL="3886200" indent="-228600">
@@ -8255,7 +8255,7 @@
               <a:spcBef>
                 <a:spcPts val="500"/>
               </a:spcBef>
-              <a:buFont typeface="Arial" panose="020B0604020202020204" pitchFamily="34" charset="0"/>
+              <a:buFont typeface="Arial" pitchFamily="34" charset="0"/>
               <a:buChar char="•"/>
             </a:lvl9pPr>
           </a:lstStyle>
@@ -8400,7 +8400,7 @@
               <a:spcBef>
                 <a:spcPts val="1000"/>
               </a:spcBef>
-              <a:buFont typeface="Arial" panose="020B0604020202020204" pitchFamily="34" charset="0"/>
+              <a:buFont typeface="Arial" pitchFamily="34" charset="0"/>
               <a:buChar char="•"/>
               <a:defRPr sz="2800"/>
             </a:lvl1pPr>
@@ -8411,7 +8411,7 @@
               <a:spcBef>
                 <a:spcPts val="500"/>
               </a:spcBef>
-              <a:buFont typeface="Arial" panose="020B0604020202020204" pitchFamily="34" charset="0"/>
+              <a:buFont typeface="Arial" pitchFamily="34" charset="0"/>
               <a:buChar char="•"/>
               <a:defRPr sz="2400"/>
             </a:lvl2pPr>
@@ -8422,7 +8422,7 @@
               <a:spcBef>
                 <a:spcPts val="500"/>
               </a:spcBef>
-              <a:buFont typeface="Arial" panose="020B0604020202020204" pitchFamily="34" charset="0"/>
+              <a:buFont typeface="Arial" pitchFamily="34" charset="0"/>
               <a:buChar char="•"/>
               <a:defRPr sz="2000"/>
             </a:lvl3pPr>
@@ -8433,7 +8433,7 @@
               <a:spcBef>
                 <a:spcPts val="500"/>
               </a:spcBef>
-              <a:buFont typeface="Arial" panose="020B0604020202020204" pitchFamily="34" charset="0"/>
+              <a:buFont typeface="Arial" pitchFamily="34" charset="0"/>
               <a:buChar char="•"/>
             </a:lvl4pPr>
             <a:lvl5pPr marL="2057400" lvl="4" indent="-228600">
@@ -8443,7 +8443,7 @@
               <a:spcBef>
                 <a:spcPts val="500"/>
               </a:spcBef>
-              <a:buFont typeface="Arial" panose="020B0604020202020204" pitchFamily="34" charset="0"/>
+              <a:buFont typeface="Arial" pitchFamily="34" charset="0"/>
               <a:buChar char="•"/>
             </a:lvl5pPr>
             <a:lvl6pPr marL="2514600" indent="-228600">
@@ -8453,7 +8453,7 @@
               <a:spcBef>
                 <a:spcPts val="500"/>
               </a:spcBef>
-              <a:buFont typeface="Arial" panose="020B0604020202020204" pitchFamily="34" charset="0"/>
+              <a:buFont typeface="Arial" pitchFamily="34" charset="0"/>
               <a:buChar char="•"/>
             </a:lvl6pPr>
             <a:lvl7pPr marL="2971800" indent="-228600">
@@ -8463,7 +8463,7 @@
               <a:spcBef>
                 <a:spcPts val="500"/>
               </a:spcBef>
-              <a:buFont typeface="Arial" panose="020B0604020202020204" pitchFamily="34" charset="0"/>
+              <a:buFont typeface="Arial" pitchFamily="34" charset="0"/>
               <a:buChar char="•"/>
             </a:lvl7pPr>
             <a:lvl8pPr marL="3429000" indent="-228600">
@@ -8473,7 +8473,7 @@
               <a:spcBef>
                 <a:spcPts val="500"/>
               </a:spcBef>
-              <a:buFont typeface="Arial" panose="020B0604020202020204" pitchFamily="34" charset="0"/>
+              <a:buFont typeface="Arial" pitchFamily="34" charset="0"/>
               <a:buChar char="•"/>
             </a:lvl8pPr>
             <a:lvl9pPr marL="3886200" indent="-228600">
@@ -8483,7 +8483,7 @@
               <a:spcBef>
                 <a:spcPts val="500"/>
               </a:spcBef>
-              <a:buFont typeface="Arial" panose="020B0604020202020204" pitchFamily="34" charset="0"/>
+              <a:buFont typeface="Arial" pitchFamily="34" charset="0"/>
               <a:buChar char="•"/>
             </a:lvl9pPr>
           </a:lstStyle>
@@ -8697,7 +8697,7 @@
               <a:spcBef>
                 <a:spcPts val="1000"/>
               </a:spcBef>
-              <a:buFont typeface="Arial" panose="020B0604020202020204" pitchFamily="34" charset="0"/>
+              <a:buFont typeface="Arial" pitchFamily="34" charset="0"/>
               <a:buChar char="•"/>
               <a:defRPr sz="2800"/>
             </a:lvl1pPr>
@@ -8708,7 +8708,7 @@
               <a:spcBef>
                 <a:spcPts val="500"/>
               </a:spcBef>
-              <a:buFont typeface="Arial" panose="020B0604020202020204" pitchFamily="34" charset="0"/>
+              <a:buFont typeface="Arial" pitchFamily="34" charset="0"/>
               <a:buChar char="•"/>
               <a:defRPr sz="2400"/>
             </a:lvl2pPr>
@@ -8719,7 +8719,7 @@
               <a:spcBef>
                 <a:spcPts val="500"/>
               </a:spcBef>
-              <a:buFont typeface="Arial" panose="020B0604020202020204" pitchFamily="34" charset="0"/>
+              <a:buFont typeface="Arial" pitchFamily="34" charset="0"/>
               <a:buChar char="•"/>
               <a:defRPr sz="2000"/>
             </a:lvl3pPr>
@@ -8730,7 +8730,7 @@
               <a:spcBef>
                 <a:spcPts val="500"/>
               </a:spcBef>
-              <a:buFont typeface="Arial" panose="020B0604020202020204" pitchFamily="34" charset="0"/>
+              <a:buFont typeface="Arial" pitchFamily="34" charset="0"/>
               <a:buChar char="•"/>
             </a:lvl4pPr>
             <a:lvl5pPr marL="2057400" lvl="4" indent="-228600">
@@ -8740,7 +8740,7 @@
               <a:spcBef>
                 <a:spcPts val="500"/>
               </a:spcBef>
-              <a:buFont typeface="Arial" panose="020B0604020202020204" pitchFamily="34" charset="0"/>
+              <a:buFont typeface="Arial" pitchFamily="34" charset="0"/>
               <a:buChar char="•"/>
             </a:lvl5pPr>
             <a:lvl6pPr marL="2514600" indent="-228600">
@@ -8750,7 +8750,7 @@
               <a:spcBef>
                 <a:spcPts val="500"/>
               </a:spcBef>
-              <a:buFont typeface="Arial" panose="020B0604020202020204" pitchFamily="34" charset="0"/>
+              <a:buFont typeface="Arial" pitchFamily="34" charset="0"/>
               <a:buChar char="•"/>
             </a:lvl6pPr>
             <a:lvl7pPr marL="2971800" indent="-228600">
@@ -8760,7 +8760,7 @@
               <a:spcBef>
                 <a:spcPts val="500"/>
               </a:spcBef>
-              <a:buFont typeface="Arial" panose="020B0604020202020204" pitchFamily="34" charset="0"/>
+              <a:buFont typeface="Arial" pitchFamily="34" charset="0"/>
               <a:buChar char="•"/>
             </a:lvl7pPr>
             <a:lvl8pPr marL="3429000" indent="-228600">
@@ -8770,7 +8770,7 @@
               <a:spcBef>
                 <a:spcPts val="500"/>
               </a:spcBef>
-              <a:buFont typeface="Arial" panose="020B0604020202020204" pitchFamily="34" charset="0"/>
+              <a:buFont typeface="Arial" pitchFamily="34" charset="0"/>
               <a:buChar char="•"/>
             </a:lvl8pPr>
             <a:lvl9pPr marL="3886200" indent="-228600">
@@ -8780,7 +8780,7 @@
               <a:spcBef>
                 <a:spcPts val="500"/>
               </a:spcBef>
-              <a:buFont typeface="Arial" panose="020B0604020202020204" pitchFamily="34" charset="0"/>
+              <a:buFont typeface="Arial" pitchFamily="34" charset="0"/>
               <a:buChar char="•"/>
             </a:lvl9pPr>
           </a:lstStyle>
@@ -9001,7 +9001,7 @@
               <a:spcBef>
                 <a:spcPts val="1000"/>
               </a:spcBef>
-              <a:buFont typeface="Arial" panose="020B0604020202020204" pitchFamily="34" charset="0"/>
+              <a:buFont typeface="Arial" pitchFamily="34" charset="0"/>
               <a:buChar char="•"/>
               <a:defRPr sz="2800"/>
             </a:lvl1pPr>
@@ -9012,7 +9012,7 @@
               <a:spcBef>
                 <a:spcPts val="500"/>
               </a:spcBef>
-              <a:buFont typeface="Arial" panose="020B0604020202020204" pitchFamily="34" charset="0"/>
+              <a:buFont typeface="Arial" pitchFamily="34" charset="0"/>
               <a:buChar char="•"/>
               <a:defRPr sz="2400"/>
             </a:lvl2pPr>
@@ -9023,7 +9023,7 @@
               <a:spcBef>
                 <a:spcPts val="500"/>
               </a:spcBef>
-              <a:buFont typeface="Arial" panose="020B0604020202020204" pitchFamily="34" charset="0"/>
+              <a:buFont typeface="Arial" pitchFamily="34" charset="0"/>
               <a:buChar char="•"/>
               <a:defRPr sz="2000"/>
             </a:lvl3pPr>
@@ -9034,7 +9034,7 @@
               <a:spcBef>
                 <a:spcPts val="500"/>
               </a:spcBef>
-              <a:buFont typeface="Arial" panose="020B0604020202020204" pitchFamily="34" charset="0"/>
+              <a:buFont typeface="Arial" pitchFamily="34" charset="0"/>
               <a:buChar char="•"/>
             </a:lvl4pPr>
             <a:lvl5pPr marL="2057400" lvl="4" indent="-228600">
@@ -9044,7 +9044,7 @@
               <a:spcBef>
                 <a:spcPts val="500"/>
               </a:spcBef>
-              <a:buFont typeface="Arial" panose="020B0604020202020204" pitchFamily="34" charset="0"/>
+              <a:buFont typeface="Arial" pitchFamily="34" charset="0"/>
               <a:buChar char="•"/>
             </a:lvl5pPr>
             <a:lvl6pPr marL="2514600" indent="-228600">
@@ -9054,7 +9054,7 @@
               <a:spcBef>
                 <a:spcPts val="500"/>
               </a:spcBef>
-              <a:buFont typeface="Arial" panose="020B0604020202020204" pitchFamily="34" charset="0"/>
+              <a:buFont typeface="Arial" pitchFamily="34" charset="0"/>
               <a:buChar char="•"/>
             </a:lvl6pPr>
             <a:lvl7pPr marL="2971800" indent="-228600">
@@ -9064,7 +9064,7 @@
               <a:spcBef>
                 <a:spcPts val="500"/>
               </a:spcBef>
-              <a:buFont typeface="Arial" panose="020B0604020202020204" pitchFamily="34" charset="0"/>
+              <a:buFont typeface="Arial" pitchFamily="34" charset="0"/>
               <a:buChar char="•"/>
             </a:lvl7pPr>
             <a:lvl8pPr marL="3429000" indent="-228600">
@@ -9074,7 +9074,7 @@
               <a:spcBef>
                 <a:spcPts val="500"/>
               </a:spcBef>
-              <a:buFont typeface="Arial" panose="020B0604020202020204" pitchFamily="34" charset="0"/>
+              <a:buFont typeface="Arial" pitchFamily="34" charset="0"/>
               <a:buChar char="•"/>
             </a:lvl8pPr>
             <a:lvl9pPr marL="3886200" indent="-228600">
@@ -9084,7 +9084,7 @@
               <a:spcBef>
                 <a:spcPts val="500"/>
               </a:spcBef>
-              <a:buFont typeface="Arial" panose="020B0604020202020204" pitchFamily="34" charset="0"/>
+              <a:buFont typeface="Arial" pitchFamily="34" charset="0"/>
               <a:buChar char="•"/>
             </a:lvl9pPr>
           </a:lstStyle>
@@ -9278,7 +9278,7 @@
               <a:spcBef>
                 <a:spcPts val="1000"/>
               </a:spcBef>
-              <a:buFont typeface="Arial" panose="020B0604020202020204" pitchFamily="34" charset="0"/>
+              <a:buFont typeface="Arial" pitchFamily="34" charset="0"/>
               <a:buChar char="•"/>
               <a:defRPr sz="2800"/>
             </a:lvl1pPr>
@@ -9289,7 +9289,7 @@
               <a:spcBef>
                 <a:spcPts val="500"/>
               </a:spcBef>
-              <a:buFont typeface="Arial" panose="020B0604020202020204" pitchFamily="34" charset="0"/>
+              <a:buFont typeface="Arial" pitchFamily="34" charset="0"/>
               <a:buChar char="•"/>
               <a:defRPr sz="2400"/>
             </a:lvl2pPr>
@@ -9300,7 +9300,7 @@
               <a:spcBef>
                 <a:spcPts val="500"/>
               </a:spcBef>
-              <a:buFont typeface="Arial" panose="020B0604020202020204" pitchFamily="34" charset="0"/>
+              <a:buFont typeface="Arial" pitchFamily="34" charset="0"/>
               <a:buChar char="•"/>
               <a:defRPr sz="2000"/>
             </a:lvl3pPr>
@@ -9311,7 +9311,7 @@
               <a:spcBef>
                 <a:spcPts val="500"/>
               </a:spcBef>
-              <a:buFont typeface="Arial" panose="020B0604020202020204" pitchFamily="34" charset="0"/>
+              <a:buFont typeface="Arial" pitchFamily="34" charset="0"/>
               <a:buChar char="•"/>
             </a:lvl4pPr>
             <a:lvl5pPr marL="2057400" lvl="4" indent="-228600">
@@ -9321,7 +9321,7 @@
               <a:spcBef>
                 <a:spcPts val="500"/>
               </a:spcBef>
-              <a:buFont typeface="Arial" panose="020B0604020202020204" pitchFamily="34" charset="0"/>
+              <a:buFont typeface="Arial" pitchFamily="34" charset="0"/>
               <a:buChar char="•"/>
             </a:lvl5pPr>
             <a:lvl6pPr marL="2514600" indent="-228600">
@@ -9331,7 +9331,7 @@
               <a:spcBef>
                 <a:spcPts val="500"/>
               </a:spcBef>
-              <a:buFont typeface="Arial" panose="020B0604020202020204" pitchFamily="34" charset="0"/>
+              <a:buFont typeface="Arial" pitchFamily="34" charset="0"/>
               <a:buChar char="•"/>
             </a:lvl6pPr>
             <a:lvl7pPr marL="2971800" indent="-228600">
@@ -9341,7 +9341,7 @@
               <a:spcBef>
                 <a:spcPts val="500"/>
               </a:spcBef>
-              <a:buFont typeface="Arial" panose="020B0604020202020204" pitchFamily="34" charset="0"/>
+              <a:buFont typeface="Arial" pitchFamily="34" charset="0"/>
               <a:buChar char="•"/>
             </a:lvl7pPr>
             <a:lvl8pPr marL="3429000" indent="-228600">
@@ -9351,7 +9351,7 @@
               <a:spcBef>
                 <a:spcPts val="500"/>
               </a:spcBef>
-              <a:buFont typeface="Arial" panose="020B0604020202020204" pitchFamily="34" charset="0"/>
+              <a:buFont typeface="Arial" pitchFamily="34" charset="0"/>
               <a:buChar char="•"/>
             </a:lvl8pPr>
             <a:lvl9pPr marL="3886200" indent="-228600">
@@ -9361,7 +9361,7 @@
               <a:spcBef>
                 <a:spcPts val="500"/>
               </a:spcBef>
-              <a:buFont typeface="Arial" panose="020B0604020202020204" pitchFamily="34" charset="0"/>
+              <a:buFont typeface="Arial" pitchFamily="34" charset="0"/>
               <a:buChar char="•"/>
             </a:lvl9pPr>
           </a:lstStyle>
@@ -9571,7 +9571,7 @@
               <a:spcBef>
                 <a:spcPts val="1000"/>
               </a:spcBef>
-              <a:buFont typeface="Arial" panose="020B0604020202020204" pitchFamily="34" charset="0"/>
+              <a:buFont typeface="Arial" pitchFamily="34" charset="0"/>
               <a:buChar char="•"/>
               <a:defRPr sz="2800"/>
             </a:lvl1pPr>
@@ -9582,7 +9582,7 @@
               <a:spcBef>
                 <a:spcPts val="500"/>
               </a:spcBef>
-              <a:buFont typeface="Arial" panose="020B0604020202020204" pitchFamily="34" charset="0"/>
+              <a:buFont typeface="Arial" pitchFamily="34" charset="0"/>
               <a:buChar char="•"/>
               <a:defRPr sz="2400"/>
             </a:lvl2pPr>
@@ -9593,7 +9593,7 @@
               <a:spcBef>
                 <a:spcPts val="500"/>
               </a:spcBef>
-              <a:buFont typeface="Arial" panose="020B0604020202020204" pitchFamily="34" charset="0"/>
+              <a:buFont typeface="Arial" pitchFamily="34" charset="0"/>
               <a:buChar char="•"/>
               <a:defRPr sz="2000"/>
             </a:lvl3pPr>
@@ -9604,7 +9604,7 @@
               <a:spcBef>
                 <a:spcPts val="500"/>
               </a:spcBef>
-              <a:buFont typeface="Arial" panose="020B0604020202020204" pitchFamily="34" charset="0"/>
+              <a:buFont typeface="Arial" pitchFamily="34" charset="0"/>
               <a:buChar char="•"/>
             </a:lvl4pPr>
             <a:lvl5pPr marL="2057400" lvl="4" indent="-228600">
@@ -9614,7 +9614,7 @@
               <a:spcBef>
                 <a:spcPts val="500"/>
               </a:spcBef>
-              <a:buFont typeface="Arial" panose="020B0604020202020204" pitchFamily="34" charset="0"/>
+              <a:buFont typeface="Arial" pitchFamily="34" charset="0"/>
               <a:buChar char="•"/>
             </a:lvl5pPr>
             <a:lvl6pPr marL="2514600" indent="-228600">
@@ -9624,7 +9624,7 @@
               <a:spcBef>
                 <a:spcPts val="500"/>
               </a:spcBef>
-              <a:buFont typeface="Arial" panose="020B0604020202020204" pitchFamily="34" charset="0"/>
+              <a:buFont typeface="Arial" pitchFamily="34" charset="0"/>
               <a:buChar char="•"/>
             </a:lvl6pPr>
             <a:lvl7pPr marL="2971800" indent="-228600">
@@ -9634,7 +9634,7 @@
               <a:spcBef>
                 <a:spcPts val="500"/>
               </a:spcBef>
-              <a:buFont typeface="Arial" panose="020B0604020202020204" pitchFamily="34" charset="0"/>
+              <a:buFont typeface="Arial" pitchFamily="34" charset="0"/>
               <a:buChar char="•"/>
             </a:lvl7pPr>
             <a:lvl8pPr marL="3429000" indent="-228600">
@@ -9644,7 +9644,7 @@
               <a:spcBef>
                 <a:spcPts val="500"/>
               </a:spcBef>
-              <a:buFont typeface="Arial" panose="020B0604020202020204" pitchFamily="34" charset="0"/>
+              <a:buFont typeface="Arial" pitchFamily="34" charset="0"/>
               <a:buChar char="•"/>
             </a:lvl8pPr>
             <a:lvl9pPr marL="3886200" indent="-228600">
@@ -9654,7 +9654,7 @@
               <a:spcBef>
                 <a:spcPts val="500"/>
               </a:spcBef>
-              <a:buFont typeface="Arial" panose="020B0604020202020204" pitchFamily="34" charset="0"/>
+              <a:buFont typeface="Arial" pitchFamily="34" charset="0"/>
               <a:buChar char="•"/>
             </a:lvl9pPr>
           </a:lstStyle>
@@ -9685,7 +9685,11 @@
             </a:pPr>
             <a:r>
               <a:rPr lang="zh-CN" altLang="en-US" dirty="0"/>
-              <a:t>       而移动操作系统上的应用程序开发需要不同的平台环境以及编程语言，因此当一个应用程序需要在多种移动操作系统上部署和运行时将面临诸多困难：错误调试困难、各操作系统上应用的版本同步、后期维护和程序升级困难等。而为了克服这些困难，越来越多的移动程序设计者们开始转向基于跨移动操作系统的程序设计。成本低、周期短，不用重新设计，种种优势使得跨移动操作系统的程序开发影响力持续扩大，也让诸多跨平台开发工具趁势崛起。</a:t>
+              <a:t>       而</a:t>
+            </a:r>
+            <a:r>
+              <a:rPr lang="zh-CN" altLang="en-US" dirty="0"/>
+              <a:t>移动操作系统上的应用程序开发需要不同的平台环境以及编程语言，因此当一个应用程序需要在多种移动操作系统上部署和运行时将面临诸多困难：错误调试困难、各操作系统上应用的版本同步、后期维护和程序升级困难等。而为了克服这些困难，越来越多的移动程序设计者们开始转向基于跨移动操作系统的程序设计。成本低、周期短，不用重新设计，种种优势使得跨移动操作系统的程序开发影响力持续扩大，也让诸多跨平台开发工具趁势崛起。</a:t>
             </a:r>
             <a:endParaRPr lang="zh-CN" altLang="en-US" dirty="0"/>
           </a:p>
@@ -9829,7 +9833,7 @@
               <a:spcBef>
                 <a:spcPts val="1000"/>
               </a:spcBef>
-              <a:buFont typeface="Arial" panose="020B0604020202020204" pitchFamily="34" charset="0"/>
+              <a:buFont typeface="Arial" pitchFamily="34" charset="0"/>
               <a:buChar char="•"/>
               <a:defRPr sz="2800"/>
             </a:lvl1pPr>
@@ -9840,7 +9844,7 @@
               <a:spcBef>
                 <a:spcPts val="500"/>
               </a:spcBef>
-              <a:buFont typeface="Arial" panose="020B0604020202020204" pitchFamily="34" charset="0"/>
+              <a:buFont typeface="Arial" pitchFamily="34" charset="0"/>
               <a:buChar char="•"/>
               <a:defRPr sz="2400"/>
             </a:lvl2pPr>
@@ -9851,7 +9855,7 @@
               <a:spcBef>
                 <a:spcPts val="500"/>
               </a:spcBef>
-              <a:buFont typeface="Arial" panose="020B0604020202020204" pitchFamily="34" charset="0"/>
+              <a:buFont typeface="Arial" pitchFamily="34" charset="0"/>
               <a:buChar char="•"/>
               <a:defRPr sz="2000"/>
             </a:lvl3pPr>
@@ -9862,7 +9866,7 @@
               <a:spcBef>
                 <a:spcPts val="500"/>
               </a:spcBef>
-              <a:buFont typeface="Arial" panose="020B0604020202020204" pitchFamily="34" charset="0"/>
+              <a:buFont typeface="Arial" pitchFamily="34" charset="0"/>
               <a:buChar char="•"/>
             </a:lvl4pPr>
             <a:lvl5pPr marL="2057400" lvl="4" indent="-228600">
@@ -9872,7 +9876,7 @@
               <a:spcBef>
                 <a:spcPts val="500"/>
               </a:spcBef>
-              <a:buFont typeface="Arial" panose="020B0604020202020204" pitchFamily="34" charset="0"/>
+              <a:buFont typeface="Arial" pitchFamily="34" charset="0"/>
               <a:buChar char="•"/>
             </a:lvl5pPr>
             <a:lvl6pPr marL="2514600" indent="-228600">
@@ -9882,7 +9886,7 @@
               <a:spcBef>
                 <a:spcPts val="500"/>
               </a:spcBef>
-              <a:buFont typeface="Arial" panose="020B0604020202020204" pitchFamily="34" charset="0"/>
+              <a:buFont typeface="Arial" pitchFamily="34" charset="0"/>
               <a:buChar char="•"/>
             </a:lvl6pPr>
             <a:lvl7pPr marL="2971800" indent="-228600">
@@ -9892,7 +9896,7 @@
               <a:spcBef>
                 <a:spcPts val="500"/>
               </a:spcBef>
-              <a:buFont typeface="Arial" panose="020B0604020202020204" pitchFamily="34" charset="0"/>
+              <a:buFont typeface="Arial" pitchFamily="34" charset="0"/>
               <a:buChar char="•"/>
             </a:lvl7pPr>
             <a:lvl8pPr marL="3429000" indent="-228600">
@@ -9902,7 +9906,7 @@
               <a:spcBef>
                 <a:spcPts val="500"/>
               </a:spcBef>
-              <a:buFont typeface="Arial" panose="020B0604020202020204" pitchFamily="34" charset="0"/>
+              <a:buFont typeface="Arial" pitchFamily="34" charset="0"/>
               <a:buChar char="•"/>
             </a:lvl8pPr>
             <a:lvl9pPr marL="3886200" indent="-228600">
@@ -9912,7 +9916,7 @@
               <a:spcBef>
                 <a:spcPts val="500"/>
               </a:spcBef>
-              <a:buFont typeface="Arial" panose="020B0604020202020204" pitchFamily="34" charset="0"/>
+              <a:buFont typeface="Arial" pitchFamily="34" charset="0"/>
               <a:buChar char="•"/>
             </a:lvl9pPr>
           </a:lstStyle>
@@ -9957,7 +9961,11 @@
             </a:pPr>
             <a:r>
               <a:rPr lang="zh-CN" altLang="en-US" dirty="0"/>
-              <a:t>   同时我们在开发速度上也进行创新，在 保证跨平台性优良的前提下，提升网站开发速度，省去开发人员编写大量前端代码的工作量。开发人员只需要简单拖拽就能实现很多复杂的前台页面，从而使软件开发人员能方便的开发跨移动操作系统的应用程序。</a:t>
+              <a:t>   同时我们在开发速度上也进行创新，在</a:t>
+            </a:r>
+            <a:r>
+              <a:rPr lang="zh-CN" altLang="en-US" dirty="0"/>
+              <a:t> 保证跨平台性优良的前提下，提升网站开发速度，省去开发人员编写大量前端代码的工作量。开发人员只需要简单拖拽就能实现很多复杂的前台页面，从而使软件开发人员能方便的开发跨移动操作系统的应用程序。</a:t>
             </a:r>
             <a:endParaRPr lang="zh-CN" altLang="en-US" dirty="0"/>
           </a:p>
@@ -10085,7 +10093,7 @@
               <a:spcBef>
                 <a:spcPts val="1000"/>
               </a:spcBef>
-              <a:buFont typeface="Arial" panose="020B0604020202020204" pitchFamily="34" charset="0"/>
+              <a:buFont typeface="Arial" pitchFamily="34" charset="0"/>
               <a:buChar char="•"/>
               <a:defRPr sz="2800"/>
             </a:lvl1pPr>
@@ -10096,7 +10104,7 @@
               <a:spcBef>
                 <a:spcPts val="500"/>
               </a:spcBef>
-              <a:buFont typeface="Arial" panose="020B0604020202020204" pitchFamily="34" charset="0"/>
+              <a:buFont typeface="Arial" pitchFamily="34" charset="0"/>
               <a:buChar char="•"/>
               <a:defRPr sz="2400"/>
             </a:lvl2pPr>
@@ -10107,7 +10115,7 @@
               <a:spcBef>
                 <a:spcPts val="500"/>
               </a:spcBef>
-              <a:buFont typeface="Arial" panose="020B0604020202020204" pitchFamily="34" charset="0"/>
+              <a:buFont typeface="Arial" pitchFamily="34" charset="0"/>
               <a:buChar char="•"/>
               <a:defRPr sz="2000"/>
             </a:lvl3pPr>
@@ -10118,7 +10126,7 @@
               <a:spcBef>
                 <a:spcPts val="500"/>
               </a:spcBef>
-              <a:buFont typeface="Arial" panose="020B0604020202020204" pitchFamily="34" charset="0"/>
+              <a:buFont typeface="Arial" pitchFamily="34" charset="0"/>
               <a:buChar char="•"/>
             </a:lvl4pPr>
             <a:lvl5pPr marL="2057400" lvl="4" indent="-228600">
@@ -10128,7 +10136,7 @@
               <a:spcBef>
                 <a:spcPts val="500"/>
               </a:spcBef>
-              <a:buFont typeface="Arial" panose="020B0604020202020204" pitchFamily="34" charset="0"/>
+              <a:buFont typeface="Arial" pitchFamily="34" charset="0"/>
               <a:buChar char="•"/>
             </a:lvl5pPr>
             <a:lvl6pPr marL="2514600" indent="-228600">
@@ -10138,7 +10146,7 @@
               <a:spcBef>
                 <a:spcPts val="500"/>
               </a:spcBef>
-              <a:buFont typeface="Arial" panose="020B0604020202020204" pitchFamily="34" charset="0"/>
+              <a:buFont typeface="Arial" pitchFamily="34" charset="0"/>
               <a:buChar char="•"/>
             </a:lvl6pPr>
             <a:lvl7pPr marL="2971800" indent="-228600">
@@ -10148,7 +10156,7 @@
               <a:spcBef>
                 <a:spcPts val="500"/>
               </a:spcBef>
-              <a:buFont typeface="Arial" panose="020B0604020202020204" pitchFamily="34" charset="0"/>
+              <a:buFont typeface="Arial" pitchFamily="34" charset="0"/>
               <a:buChar char="•"/>
             </a:lvl7pPr>
             <a:lvl8pPr marL="3429000" indent="-228600">
@@ -10158,7 +10166,7 @@
               <a:spcBef>
                 <a:spcPts val="500"/>
               </a:spcBef>
-              <a:buFont typeface="Arial" panose="020B0604020202020204" pitchFamily="34" charset="0"/>
+              <a:buFont typeface="Arial" pitchFamily="34" charset="0"/>
               <a:buChar char="•"/>
             </a:lvl8pPr>
             <a:lvl9pPr marL="3886200" indent="-228600">
@@ -10168,7 +10176,7 @@
               <a:spcBef>
                 <a:spcPts val="500"/>
               </a:spcBef>
-              <a:buFont typeface="Arial" panose="020B0604020202020204" pitchFamily="34" charset="0"/>
+              <a:buFont typeface="Arial" pitchFamily="34" charset="0"/>
               <a:buChar char="•"/>
             </a:lvl9pPr>
           </a:lstStyle>
@@ -10380,7 +10388,7 @@
               <a:spcBef>
                 <a:spcPts val="1000"/>
               </a:spcBef>
-              <a:buFont typeface="Arial" panose="020B0604020202020204" pitchFamily="34" charset="0"/>
+              <a:buFont typeface="Arial" pitchFamily="34" charset="0"/>
               <a:buChar char="•"/>
               <a:defRPr sz="2800"/>
             </a:lvl1pPr>
@@ -10391,7 +10399,7 @@
               <a:spcBef>
                 <a:spcPts val="500"/>
               </a:spcBef>
-              <a:buFont typeface="Arial" panose="020B0604020202020204" pitchFamily="34" charset="0"/>
+              <a:buFont typeface="Arial" pitchFamily="34" charset="0"/>
               <a:buChar char="•"/>
               <a:defRPr sz="2400"/>
             </a:lvl2pPr>
@@ -10402,7 +10410,7 @@
               <a:spcBef>
                 <a:spcPts val="500"/>
               </a:spcBef>
-              <a:buFont typeface="Arial" panose="020B0604020202020204" pitchFamily="34" charset="0"/>
+              <a:buFont typeface="Arial" pitchFamily="34" charset="0"/>
               <a:buChar char="•"/>
               <a:defRPr sz="2000"/>
             </a:lvl3pPr>
@@ -10413,7 +10421,7 @@
               <a:spcBef>
                 <a:spcPts val="500"/>
               </a:spcBef>
-              <a:buFont typeface="Arial" panose="020B0604020202020204" pitchFamily="34" charset="0"/>
+              <a:buFont typeface="Arial" pitchFamily="34" charset="0"/>
               <a:buChar char="•"/>
             </a:lvl4pPr>
             <a:lvl5pPr marL="2057400" lvl="4" indent="-228600">
@@ -10423,7 +10431,7 @@
               <a:spcBef>
                 <a:spcPts val="500"/>
               </a:spcBef>
-              <a:buFont typeface="Arial" panose="020B0604020202020204" pitchFamily="34" charset="0"/>
+              <a:buFont typeface="Arial" pitchFamily="34" charset="0"/>
               <a:buChar char="•"/>
             </a:lvl5pPr>
             <a:lvl6pPr marL="2514600" indent="-228600">
@@ -10433,7 +10441,7 @@
               <a:spcBef>
                 <a:spcPts val="500"/>
               </a:spcBef>
-              <a:buFont typeface="Arial" panose="020B0604020202020204" pitchFamily="34" charset="0"/>
+              <a:buFont typeface="Arial" pitchFamily="34" charset="0"/>
               <a:buChar char="•"/>
             </a:lvl6pPr>
             <a:lvl7pPr marL="2971800" indent="-228600">
@@ -10443,7 +10451,7 @@
               <a:spcBef>
                 <a:spcPts val="500"/>
               </a:spcBef>
-              <a:buFont typeface="Arial" panose="020B0604020202020204" pitchFamily="34" charset="0"/>
+              <a:buFont typeface="Arial" pitchFamily="34" charset="0"/>
               <a:buChar char="•"/>
             </a:lvl7pPr>
             <a:lvl8pPr marL="3429000" indent="-228600">
@@ -10453,7 +10461,7 @@
               <a:spcBef>
                 <a:spcPts val="500"/>
               </a:spcBef>
-              <a:buFont typeface="Arial" panose="020B0604020202020204" pitchFamily="34" charset="0"/>
+              <a:buFont typeface="Arial" pitchFamily="34" charset="0"/>
               <a:buChar char="•"/>
             </a:lvl8pPr>
             <a:lvl9pPr marL="3886200" indent="-228600">
@@ -10463,7 +10471,7 @@
               <a:spcBef>
                 <a:spcPts val="500"/>
               </a:spcBef>
-              <a:buFont typeface="Arial" panose="020B0604020202020204" pitchFamily="34" charset="0"/>
+              <a:buFont typeface="Arial" pitchFamily="34" charset="0"/>
               <a:buChar char="•"/>
             </a:lvl9pPr>
           </a:lstStyle>
@@ -10575,9 +10583,9 @@
                 <a:solidFill>
                   <a:schemeClr val="bg1"/>
                 </a:solidFill>
-                <a:latin typeface="Arial" panose="020B0604020202020204" pitchFamily="34" charset="0"/>
-                <a:ea typeface="黑体" panose="02010609060101010101" pitchFamily="49" charset="-122"/>
-                <a:sym typeface="Arial" panose="020B0604020202020204" pitchFamily="34" charset="0"/>
+                <a:latin typeface="Arial" pitchFamily="34" charset="0"/>
+                <a:ea typeface="黑体" pitchFamily="49" charset="-122"/>
+                <a:sym typeface="Arial" pitchFamily="34" charset="0"/>
               </a:defRPr>
             </a:lvl1pPr>
             <a:lvl2pPr marL="742950" indent="-285750">
@@ -10589,9 +10597,9 @@
                 <a:solidFill>
                   <a:schemeClr val="bg1"/>
                 </a:solidFill>
-                <a:latin typeface="Arial" panose="020B0604020202020204" pitchFamily="34" charset="0"/>
-                <a:ea typeface="黑体" panose="02010609060101010101" pitchFamily="49" charset="-122"/>
-                <a:sym typeface="Arial" panose="020B0604020202020204" pitchFamily="34" charset="0"/>
+                <a:latin typeface="Arial" pitchFamily="34" charset="0"/>
+                <a:ea typeface="黑体" pitchFamily="49" charset="-122"/>
+                <a:sym typeface="Arial" pitchFamily="34" charset="0"/>
               </a:defRPr>
             </a:lvl2pPr>
             <a:lvl3pPr marL="1143000" indent="-228600">
@@ -10603,9 +10611,9 @@
                 <a:solidFill>
                   <a:schemeClr val="bg1"/>
                 </a:solidFill>
-                <a:latin typeface="Arial" panose="020B0604020202020204" pitchFamily="34" charset="0"/>
-                <a:ea typeface="黑体" panose="02010609060101010101" pitchFamily="49" charset="-122"/>
-                <a:sym typeface="Arial" panose="020B0604020202020204" pitchFamily="34" charset="0"/>
+                <a:latin typeface="Arial" pitchFamily="34" charset="0"/>
+                <a:ea typeface="黑体" pitchFamily="49" charset="-122"/>
+                <a:sym typeface="Arial" pitchFamily="34" charset="0"/>
               </a:defRPr>
             </a:lvl3pPr>
             <a:lvl4pPr marL="1600200" indent="-228600">
@@ -10617,9 +10625,9 @@
                 <a:solidFill>
                   <a:schemeClr val="bg1"/>
                 </a:solidFill>
-                <a:latin typeface="Arial" panose="020B0604020202020204" pitchFamily="34" charset="0"/>
-                <a:ea typeface="黑体" panose="02010609060101010101" pitchFamily="49" charset="-122"/>
-                <a:sym typeface="Arial" panose="020B0604020202020204" pitchFamily="34" charset="0"/>
+                <a:latin typeface="Arial" pitchFamily="34" charset="0"/>
+                <a:ea typeface="黑体" pitchFamily="49" charset="-122"/>
+                <a:sym typeface="Arial" pitchFamily="34" charset="0"/>
               </a:defRPr>
             </a:lvl4pPr>
             <a:lvl5pPr marL="2057400" indent="-228600">
@@ -10631,9 +10639,9 @@
                 <a:solidFill>
                   <a:schemeClr val="bg1"/>
                 </a:solidFill>
-                <a:latin typeface="Arial" panose="020B0604020202020204" pitchFamily="34" charset="0"/>
-                <a:ea typeface="黑体" panose="02010609060101010101" pitchFamily="49" charset="-122"/>
-                <a:sym typeface="Arial" panose="020B0604020202020204" pitchFamily="34" charset="0"/>
+                <a:latin typeface="Arial" pitchFamily="34" charset="0"/>
+                <a:ea typeface="黑体" pitchFamily="49" charset="-122"/>
+                <a:sym typeface="Arial" pitchFamily="34" charset="0"/>
               </a:defRPr>
             </a:lvl5pPr>
             <a:lvl6pPr marL="2514600" indent="-228600" eaLnBrk="0" fontAlgn="base" hangingPunct="0">
@@ -10648,9 +10656,9 @@
                 <a:solidFill>
                   <a:schemeClr val="bg1"/>
                 </a:solidFill>
-                <a:latin typeface="Arial" panose="020B0604020202020204" pitchFamily="34" charset="0"/>
-                <a:ea typeface="黑体" panose="02010609060101010101" pitchFamily="49" charset="-122"/>
-                <a:sym typeface="Arial" panose="020B0604020202020204" pitchFamily="34" charset="0"/>
+                <a:latin typeface="Arial" pitchFamily="34" charset="0"/>
+                <a:ea typeface="黑体" pitchFamily="49" charset="-122"/>
+                <a:sym typeface="Arial" pitchFamily="34" charset="0"/>
               </a:defRPr>
             </a:lvl6pPr>
             <a:lvl7pPr marL="2971800" indent="-228600" eaLnBrk="0" fontAlgn="base" hangingPunct="0">
@@ -10665,9 +10673,9 @@
                 <a:solidFill>
                   <a:schemeClr val="bg1"/>
                 </a:solidFill>
-                <a:latin typeface="Arial" panose="020B0604020202020204" pitchFamily="34" charset="0"/>
-                <a:ea typeface="黑体" panose="02010609060101010101" pitchFamily="49" charset="-122"/>
-                <a:sym typeface="Arial" panose="020B0604020202020204" pitchFamily="34" charset="0"/>
+                <a:latin typeface="Arial" pitchFamily="34" charset="0"/>
+                <a:ea typeface="黑体" pitchFamily="49" charset="-122"/>
+                <a:sym typeface="Arial" pitchFamily="34" charset="0"/>
               </a:defRPr>
             </a:lvl7pPr>
             <a:lvl8pPr marL="3429000" indent="-228600" eaLnBrk="0" fontAlgn="base" hangingPunct="0">
@@ -10682,9 +10690,9 @@
                 <a:solidFill>
                   <a:schemeClr val="bg1"/>
                 </a:solidFill>
-                <a:latin typeface="Arial" panose="020B0604020202020204" pitchFamily="34" charset="0"/>
-                <a:ea typeface="黑体" panose="02010609060101010101" pitchFamily="49" charset="-122"/>
-                <a:sym typeface="Arial" panose="020B0604020202020204" pitchFamily="34" charset="0"/>
+                <a:latin typeface="Arial" pitchFamily="34" charset="0"/>
+                <a:ea typeface="黑体" pitchFamily="49" charset="-122"/>
+                <a:sym typeface="Arial" pitchFamily="34" charset="0"/>
               </a:defRPr>
             </a:lvl8pPr>
             <a:lvl9pPr marL="3886200" indent="-228600" eaLnBrk="0" fontAlgn="base" hangingPunct="0">
@@ -10699,9 +10707,9 @@
                 <a:solidFill>
                   <a:schemeClr val="bg1"/>
                 </a:solidFill>
-                <a:latin typeface="Arial" panose="020B0604020202020204" pitchFamily="34" charset="0"/>
-                <a:ea typeface="黑体" panose="02010609060101010101" pitchFamily="49" charset="-122"/>
-                <a:sym typeface="Arial" panose="020B0604020202020204" pitchFamily="34" charset="0"/>
+                <a:latin typeface="Arial" pitchFamily="34" charset="0"/>
+                <a:ea typeface="黑体" pitchFamily="49" charset="-122"/>
+                <a:sym typeface="Arial" pitchFamily="34" charset="0"/>
               </a:defRPr>
             </a:lvl9pPr>
           </a:lstStyle>
@@ -10772,9 +10780,9 @@
                 <a:solidFill>
                   <a:schemeClr val="bg1"/>
                 </a:solidFill>
-                <a:latin typeface="Arial" panose="020B0604020202020204" pitchFamily="34" charset="0"/>
-                <a:ea typeface="黑体" panose="02010609060101010101" pitchFamily="49" charset="-122"/>
-                <a:sym typeface="Arial" panose="020B0604020202020204" pitchFamily="34" charset="0"/>
+                <a:latin typeface="Arial" pitchFamily="34" charset="0"/>
+                <a:ea typeface="黑体" pitchFamily="49" charset="-122"/>
+                <a:sym typeface="Arial" pitchFamily="34" charset="0"/>
               </a:defRPr>
             </a:lvl1pPr>
             <a:lvl2pPr marL="742950" indent="-285750">
@@ -10786,9 +10794,9 @@
                 <a:solidFill>
                   <a:schemeClr val="bg1"/>
                 </a:solidFill>
-                <a:latin typeface="Arial" panose="020B0604020202020204" pitchFamily="34" charset="0"/>
-                <a:ea typeface="黑体" panose="02010609060101010101" pitchFamily="49" charset="-122"/>
-                <a:sym typeface="Arial" panose="020B0604020202020204" pitchFamily="34" charset="0"/>
+                <a:latin typeface="Arial" pitchFamily="34" charset="0"/>
+                <a:ea typeface="黑体" pitchFamily="49" charset="-122"/>
+                <a:sym typeface="Arial" pitchFamily="34" charset="0"/>
               </a:defRPr>
             </a:lvl2pPr>
             <a:lvl3pPr marL="1143000" indent="-228600">
@@ -10800,9 +10808,9 @@
                 <a:solidFill>
                   <a:schemeClr val="bg1"/>
                 </a:solidFill>
-                <a:latin typeface="Arial" panose="020B0604020202020204" pitchFamily="34" charset="0"/>
-                <a:ea typeface="黑体" panose="02010609060101010101" pitchFamily="49" charset="-122"/>
-                <a:sym typeface="Arial" panose="020B0604020202020204" pitchFamily="34" charset="0"/>
+                <a:latin typeface="Arial" pitchFamily="34" charset="0"/>
+                <a:ea typeface="黑体" pitchFamily="49" charset="-122"/>
+                <a:sym typeface="Arial" pitchFamily="34" charset="0"/>
               </a:defRPr>
             </a:lvl3pPr>
             <a:lvl4pPr marL="1600200" indent="-228600">
@@ -10814,9 +10822,9 @@
                 <a:solidFill>
                   <a:schemeClr val="bg1"/>
                 </a:solidFill>
-                <a:latin typeface="Arial" panose="020B0604020202020204" pitchFamily="34" charset="0"/>
-                <a:ea typeface="黑体" panose="02010609060101010101" pitchFamily="49" charset="-122"/>
-                <a:sym typeface="Arial" panose="020B0604020202020204" pitchFamily="34" charset="0"/>
+                <a:latin typeface="Arial" pitchFamily="34" charset="0"/>
+                <a:ea typeface="黑体" pitchFamily="49" charset="-122"/>
+                <a:sym typeface="Arial" pitchFamily="34" charset="0"/>
               </a:defRPr>
             </a:lvl4pPr>
             <a:lvl5pPr marL="2057400" indent="-228600">
@@ -10828,9 +10836,9 @@
                 <a:solidFill>
                   <a:schemeClr val="bg1"/>
                 </a:solidFill>
-                <a:latin typeface="Arial" panose="020B0604020202020204" pitchFamily="34" charset="0"/>
-                <a:ea typeface="黑体" panose="02010609060101010101" pitchFamily="49" charset="-122"/>
-                <a:sym typeface="Arial" panose="020B0604020202020204" pitchFamily="34" charset="0"/>
+                <a:latin typeface="Arial" pitchFamily="34" charset="0"/>
+                <a:ea typeface="黑体" pitchFamily="49" charset="-122"/>
+                <a:sym typeface="Arial" pitchFamily="34" charset="0"/>
               </a:defRPr>
             </a:lvl5pPr>
             <a:lvl6pPr marL="2514600" indent="-228600" eaLnBrk="0" fontAlgn="base" hangingPunct="0">
@@ -10845,9 +10853,9 @@
                 <a:solidFill>
                   <a:schemeClr val="bg1"/>
                 </a:solidFill>
-                <a:latin typeface="Arial" panose="020B0604020202020204" pitchFamily="34" charset="0"/>
-                <a:ea typeface="黑体" panose="02010609060101010101" pitchFamily="49" charset="-122"/>
-                <a:sym typeface="Arial" panose="020B0604020202020204" pitchFamily="34" charset="0"/>
+                <a:latin typeface="Arial" pitchFamily="34" charset="0"/>
+                <a:ea typeface="黑体" pitchFamily="49" charset="-122"/>
+                <a:sym typeface="Arial" pitchFamily="34" charset="0"/>
               </a:defRPr>
             </a:lvl6pPr>
             <a:lvl7pPr marL="2971800" indent="-228600" eaLnBrk="0" fontAlgn="base" hangingPunct="0">
@@ -10862,9 +10870,9 @@
                 <a:solidFill>
                   <a:schemeClr val="bg1"/>
                 </a:solidFill>
-                <a:latin typeface="Arial" panose="020B0604020202020204" pitchFamily="34" charset="0"/>
-                <a:ea typeface="黑体" panose="02010609060101010101" pitchFamily="49" charset="-122"/>
-                <a:sym typeface="Arial" panose="020B0604020202020204" pitchFamily="34" charset="0"/>
+                <a:latin typeface="Arial" pitchFamily="34" charset="0"/>
+                <a:ea typeface="黑体" pitchFamily="49" charset="-122"/>
+                <a:sym typeface="Arial" pitchFamily="34" charset="0"/>
               </a:defRPr>
             </a:lvl7pPr>
             <a:lvl8pPr marL="3429000" indent="-228600" eaLnBrk="0" fontAlgn="base" hangingPunct="0">
@@ -10879,9 +10887,9 @@
                 <a:solidFill>
                   <a:schemeClr val="bg1"/>
                 </a:solidFill>
-                <a:latin typeface="Arial" panose="020B0604020202020204" pitchFamily="34" charset="0"/>
-                <a:ea typeface="黑体" panose="02010609060101010101" pitchFamily="49" charset="-122"/>
-                <a:sym typeface="Arial" panose="020B0604020202020204" pitchFamily="34" charset="0"/>
+                <a:latin typeface="Arial" pitchFamily="34" charset="0"/>
+                <a:ea typeface="黑体" pitchFamily="49" charset="-122"/>
+                <a:sym typeface="Arial" pitchFamily="34" charset="0"/>
               </a:defRPr>
             </a:lvl8pPr>
             <a:lvl9pPr marL="3886200" indent="-228600" eaLnBrk="0" fontAlgn="base" hangingPunct="0">
@@ -10896,9 +10904,9 @@
                 <a:solidFill>
                   <a:schemeClr val="bg1"/>
                 </a:solidFill>
-                <a:latin typeface="Arial" panose="020B0604020202020204" pitchFamily="34" charset="0"/>
-                <a:ea typeface="黑体" panose="02010609060101010101" pitchFamily="49" charset="-122"/>
-                <a:sym typeface="Arial" panose="020B0604020202020204" pitchFamily="34" charset="0"/>
+                <a:latin typeface="Arial" pitchFamily="34" charset="0"/>
+                <a:ea typeface="黑体" pitchFamily="49" charset="-122"/>
+                <a:sym typeface="Arial" pitchFamily="34" charset="0"/>
               </a:defRPr>
             </a:lvl9pPr>
           </a:lstStyle>
@@ -10969,9 +10977,9 @@
                 <a:solidFill>
                   <a:schemeClr val="bg1"/>
                 </a:solidFill>
-                <a:latin typeface="Arial" panose="020B0604020202020204" pitchFamily="34" charset="0"/>
-                <a:ea typeface="黑体" panose="02010609060101010101" pitchFamily="49" charset="-122"/>
-                <a:sym typeface="Arial" panose="020B0604020202020204" pitchFamily="34" charset="0"/>
+                <a:latin typeface="Arial" pitchFamily="34" charset="0"/>
+                <a:ea typeface="黑体" pitchFamily="49" charset="-122"/>
+                <a:sym typeface="Arial" pitchFamily="34" charset="0"/>
               </a:defRPr>
             </a:lvl1pPr>
             <a:lvl2pPr marL="742950" indent="-285750">
@@ -10983,9 +10991,9 @@
                 <a:solidFill>
                   <a:schemeClr val="bg1"/>
                 </a:solidFill>
-                <a:latin typeface="Arial" panose="020B0604020202020204" pitchFamily="34" charset="0"/>
-                <a:ea typeface="黑体" panose="02010609060101010101" pitchFamily="49" charset="-122"/>
-                <a:sym typeface="Arial" panose="020B0604020202020204" pitchFamily="34" charset="0"/>
+                <a:latin typeface="Arial" pitchFamily="34" charset="0"/>
+                <a:ea typeface="黑体" pitchFamily="49" charset="-122"/>
+                <a:sym typeface="Arial" pitchFamily="34" charset="0"/>
               </a:defRPr>
             </a:lvl2pPr>
             <a:lvl3pPr marL="1143000" indent="-228600">
@@ -10997,9 +11005,9 @@
                 <a:solidFill>
                   <a:schemeClr val="bg1"/>
                 </a:solidFill>
-                <a:latin typeface="Arial" panose="020B0604020202020204" pitchFamily="34" charset="0"/>
-                <a:ea typeface="黑体" panose="02010609060101010101" pitchFamily="49" charset="-122"/>
-                <a:sym typeface="Arial" panose="020B0604020202020204" pitchFamily="34" charset="0"/>
+                <a:latin typeface="Arial" pitchFamily="34" charset="0"/>
+                <a:ea typeface="黑体" pitchFamily="49" charset="-122"/>
+                <a:sym typeface="Arial" pitchFamily="34" charset="0"/>
               </a:defRPr>
             </a:lvl3pPr>
             <a:lvl4pPr marL="1600200" indent="-228600">
@@ -11011,9 +11019,9 @@
                 <a:solidFill>
                   <a:schemeClr val="bg1"/>
                 </a:solidFill>
-                <a:latin typeface="Arial" panose="020B0604020202020204" pitchFamily="34" charset="0"/>
-                <a:ea typeface="黑体" panose="02010609060101010101" pitchFamily="49" charset="-122"/>
-                <a:sym typeface="Arial" panose="020B0604020202020204" pitchFamily="34" charset="0"/>
+                <a:latin typeface="Arial" pitchFamily="34" charset="0"/>
+                <a:ea typeface="黑体" pitchFamily="49" charset="-122"/>
+                <a:sym typeface="Arial" pitchFamily="34" charset="0"/>
               </a:defRPr>
             </a:lvl4pPr>
             <a:lvl5pPr marL="2057400" indent="-228600">
@@ -11025,9 +11033,9 @@
                 <a:solidFill>
                   <a:schemeClr val="bg1"/>
                 </a:solidFill>
-                <a:latin typeface="Arial" panose="020B0604020202020204" pitchFamily="34" charset="0"/>
-                <a:ea typeface="黑体" panose="02010609060101010101" pitchFamily="49" charset="-122"/>
-                <a:sym typeface="Arial" panose="020B0604020202020204" pitchFamily="34" charset="0"/>
+                <a:latin typeface="Arial" pitchFamily="34" charset="0"/>
+                <a:ea typeface="黑体" pitchFamily="49" charset="-122"/>
+                <a:sym typeface="Arial" pitchFamily="34" charset="0"/>
               </a:defRPr>
             </a:lvl5pPr>
             <a:lvl6pPr marL="2514600" indent="-228600" eaLnBrk="0" fontAlgn="base" hangingPunct="0">
@@ -11042,9 +11050,9 @@
                 <a:solidFill>
                   <a:schemeClr val="bg1"/>
                 </a:solidFill>
-                <a:latin typeface="Arial" panose="020B0604020202020204" pitchFamily="34" charset="0"/>
-                <a:ea typeface="黑体" panose="02010609060101010101" pitchFamily="49" charset="-122"/>
-                <a:sym typeface="Arial" panose="020B0604020202020204" pitchFamily="34" charset="0"/>
+                <a:latin typeface="Arial" pitchFamily="34" charset="0"/>
+                <a:ea typeface="黑体" pitchFamily="49" charset="-122"/>
+                <a:sym typeface="Arial" pitchFamily="34" charset="0"/>
               </a:defRPr>
             </a:lvl6pPr>
             <a:lvl7pPr marL="2971800" indent="-228600" eaLnBrk="0" fontAlgn="base" hangingPunct="0">
@@ -11059,9 +11067,9 @@
                 <a:solidFill>
                   <a:schemeClr val="bg1"/>
                 </a:solidFill>
-                <a:latin typeface="Arial" panose="020B0604020202020204" pitchFamily="34" charset="0"/>
-                <a:ea typeface="黑体" panose="02010609060101010101" pitchFamily="49" charset="-122"/>
-                <a:sym typeface="Arial" panose="020B0604020202020204" pitchFamily="34" charset="0"/>
+                <a:latin typeface="Arial" pitchFamily="34" charset="0"/>
+                <a:ea typeface="黑体" pitchFamily="49" charset="-122"/>
+                <a:sym typeface="Arial" pitchFamily="34" charset="0"/>
               </a:defRPr>
             </a:lvl7pPr>
             <a:lvl8pPr marL="3429000" indent="-228600" eaLnBrk="0" fontAlgn="base" hangingPunct="0">
@@ -11076,9 +11084,9 @@
                 <a:solidFill>
                   <a:schemeClr val="bg1"/>
                 </a:solidFill>
-                <a:latin typeface="Arial" panose="020B0604020202020204" pitchFamily="34" charset="0"/>
-                <a:ea typeface="黑体" panose="02010609060101010101" pitchFamily="49" charset="-122"/>
-                <a:sym typeface="Arial" panose="020B0604020202020204" pitchFamily="34" charset="0"/>
+                <a:latin typeface="Arial" pitchFamily="34" charset="0"/>
+                <a:ea typeface="黑体" pitchFamily="49" charset="-122"/>
+                <a:sym typeface="Arial" pitchFamily="34" charset="0"/>
               </a:defRPr>
             </a:lvl8pPr>
             <a:lvl9pPr marL="3886200" indent="-228600" eaLnBrk="0" fontAlgn="base" hangingPunct="0">
@@ -11093,9 +11101,9 @@
                 <a:solidFill>
                   <a:schemeClr val="bg1"/>
                 </a:solidFill>
-                <a:latin typeface="Arial" panose="020B0604020202020204" pitchFamily="34" charset="0"/>
-                <a:ea typeface="黑体" panose="02010609060101010101" pitchFamily="49" charset="-122"/>
-                <a:sym typeface="Arial" panose="020B0604020202020204" pitchFamily="34" charset="0"/>
+                <a:latin typeface="Arial" pitchFamily="34" charset="0"/>
+                <a:ea typeface="黑体" pitchFamily="49" charset="-122"/>
+                <a:sym typeface="Arial" pitchFamily="34" charset="0"/>
               </a:defRPr>
             </a:lvl9pPr>
           </a:lstStyle>
@@ -11166,9 +11174,9 @@
                 <a:solidFill>
                   <a:schemeClr val="bg1"/>
                 </a:solidFill>
-                <a:latin typeface="Arial" panose="020B0604020202020204" pitchFamily="34" charset="0"/>
-                <a:ea typeface="黑体" panose="02010609060101010101" pitchFamily="49" charset="-122"/>
-                <a:sym typeface="Arial" panose="020B0604020202020204" pitchFamily="34" charset="0"/>
+                <a:latin typeface="Arial" pitchFamily="34" charset="0"/>
+                <a:ea typeface="黑体" pitchFamily="49" charset="-122"/>
+                <a:sym typeface="Arial" pitchFamily="34" charset="0"/>
               </a:defRPr>
             </a:lvl1pPr>
             <a:lvl2pPr marL="742950" indent="-285750">
@@ -11180,9 +11188,9 @@
                 <a:solidFill>
                   <a:schemeClr val="bg1"/>
                 </a:solidFill>
-                <a:latin typeface="Arial" panose="020B0604020202020204" pitchFamily="34" charset="0"/>
-                <a:ea typeface="黑体" panose="02010609060101010101" pitchFamily="49" charset="-122"/>
-                <a:sym typeface="Arial" panose="020B0604020202020204" pitchFamily="34" charset="0"/>
+                <a:latin typeface="Arial" pitchFamily="34" charset="0"/>
+                <a:ea typeface="黑体" pitchFamily="49" charset="-122"/>
+                <a:sym typeface="Arial" pitchFamily="34" charset="0"/>
               </a:defRPr>
             </a:lvl2pPr>
             <a:lvl3pPr marL="1143000" indent="-228600">
@@ -11194,9 +11202,9 @@
                 <a:solidFill>
                   <a:schemeClr val="bg1"/>
                 </a:solidFill>
-                <a:latin typeface="Arial" panose="020B0604020202020204" pitchFamily="34" charset="0"/>
-                <a:ea typeface="黑体" panose="02010609060101010101" pitchFamily="49" charset="-122"/>
-                <a:sym typeface="Arial" panose="020B0604020202020204" pitchFamily="34" charset="0"/>
+                <a:latin typeface="Arial" pitchFamily="34" charset="0"/>
+                <a:ea typeface="黑体" pitchFamily="49" charset="-122"/>
+                <a:sym typeface="Arial" pitchFamily="34" charset="0"/>
               </a:defRPr>
             </a:lvl3pPr>
             <a:lvl4pPr marL="1600200" indent="-228600">
@@ -11208,9 +11216,9 @@
                 <a:solidFill>
                   <a:schemeClr val="bg1"/>
                 </a:solidFill>
-                <a:latin typeface="Arial" panose="020B0604020202020204" pitchFamily="34" charset="0"/>
-                <a:ea typeface="黑体" panose="02010609060101010101" pitchFamily="49" charset="-122"/>
-                <a:sym typeface="Arial" panose="020B0604020202020204" pitchFamily="34" charset="0"/>
+                <a:latin typeface="Arial" pitchFamily="34" charset="0"/>
+                <a:ea typeface="黑体" pitchFamily="49" charset="-122"/>
+                <a:sym typeface="Arial" pitchFamily="34" charset="0"/>
               </a:defRPr>
             </a:lvl4pPr>
             <a:lvl5pPr marL="2057400" indent="-228600">
@@ -11222,9 +11230,9 @@
                 <a:solidFill>
                   <a:schemeClr val="bg1"/>
                 </a:solidFill>
-                <a:latin typeface="Arial" panose="020B0604020202020204" pitchFamily="34" charset="0"/>
-                <a:ea typeface="黑体" panose="02010609060101010101" pitchFamily="49" charset="-122"/>
-                <a:sym typeface="Arial" panose="020B0604020202020204" pitchFamily="34" charset="0"/>
+                <a:latin typeface="Arial" pitchFamily="34" charset="0"/>
+                <a:ea typeface="黑体" pitchFamily="49" charset="-122"/>
+                <a:sym typeface="Arial" pitchFamily="34" charset="0"/>
               </a:defRPr>
             </a:lvl5pPr>
             <a:lvl6pPr marL="2514600" indent="-228600" eaLnBrk="0" fontAlgn="base" hangingPunct="0">
@@ -11239,9 +11247,9 @@
                 <a:solidFill>
                   <a:schemeClr val="bg1"/>
                 </a:solidFill>
-                <a:latin typeface="Arial" panose="020B0604020202020204" pitchFamily="34" charset="0"/>
-                <a:ea typeface="黑体" panose="02010609060101010101" pitchFamily="49" charset="-122"/>
-                <a:sym typeface="Arial" panose="020B0604020202020204" pitchFamily="34" charset="0"/>
+                <a:latin typeface="Arial" pitchFamily="34" charset="0"/>
+                <a:ea typeface="黑体" pitchFamily="49" charset="-122"/>
+                <a:sym typeface="Arial" pitchFamily="34" charset="0"/>
               </a:defRPr>
             </a:lvl6pPr>
             <a:lvl7pPr marL="2971800" indent="-228600" eaLnBrk="0" fontAlgn="base" hangingPunct="0">
@@ -11256,9 +11264,9 @@
                 <a:solidFill>
                   <a:schemeClr val="bg1"/>
                 </a:solidFill>
-                <a:latin typeface="Arial" panose="020B0604020202020204" pitchFamily="34" charset="0"/>
-                <a:ea typeface="黑体" panose="02010609060101010101" pitchFamily="49" charset="-122"/>
-                <a:sym typeface="Arial" panose="020B0604020202020204" pitchFamily="34" charset="0"/>
+                <a:latin typeface="Arial" pitchFamily="34" charset="0"/>
+                <a:ea typeface="黑体" pitchFamily="49" charset="-122"/>
+                <a:sym typeface="Arial" pitchFamily="34" charset="0"/>
               </a:defRPr>
             </a:lvl7pPr>
             <a:lvl8pPr marL="3429000" indent="-228600" eaLnBrk="0" fontAlgn="base" hangingPunct="0">
@@ -11273,9 +11281,9 @@
                 <a:solidFill>
                   <a:schemeClr val="bg1"/>
                 </a:solidFill>
-                <a:latin typeface="Arial" panose="020B0604020202020204" pitchFamily="34" charset="0"/>
-                <a:ea typeface="黑体" panose="02010609060101010101" pitchFamily="49" charset="-122"/>
-                <a:sym typeface="Arial" panose="020B0604020202020204" pitchFamily="34" charset="0"/>
+                <a:latin typeface="Arial" pitchFamily="34" charset="0"/>
+                <a:ea typeface="黑体" pitchFamily="49" charset="-122"/>
+                <a:sym typeface="Arial" pitchFamily="34" charset="0"/>
               </a:defRPr>
             </a:lvl8pPr>
             <a:lvl9pPr marL="3886200" indent="-228600" eaLnBrk="0" fontAlgn="base" hangingPunct="0">
@@ -11290,9 +11298,9 @@
                 <a:solidFill>
                   <a:schemeClr val="bg1"/>
                 </a:solidFill>
-                <a:latin typeface="Arial" panose="020B0604020202020204" pitchFamily="34" charset="0"/>
-                <a:ea typeface="黑体" panose="02010609060101010101" pitchFamily="49" charset="-122"/>
-                <a:sym typeface="Arial" panose="020B0604020202020204" pitchFamily="34" charset="0"/>
+                <a:latin typeface="Arial" pitchFamily="34" charset="0"/>
+                <a:ea typeface="黑体" pitchFamily="49" charset="-122"/>
+                <a:sym typeface="Arial" pitchFamily="34" charset="0"/>
               </a:defRPr>
             </a:lvl9pPr>
           </a:lstStyle>
@@ -11380,7 +11388,7 @@
                 </a:solidFill>
                 <a:latin typeface="+mn-lt"/>
                 <a:ea typeface="+mn-ea"/>
-                <a:sym typeface="Arial" panose="020B0604020202020204" pitchFamily="34" charset="0"/>
+                <a:sym typeface="Arial" pitchFamily="34" charset="0"/>
               </a:defRPr>
             </a:lvl1pPr>
             <a:lvl2pPr marL="742950" indent="-285750">
@@ -11392,7 +11400,7 @@
                 <a:solidFill>
                   <a:schemeClr val="bg1"/>
                 </a:solidFill>
-                <a:sym typeface="Arial" panose="020B0604020202020204" pitchFamily="34" charset="0"/>
+                <a:sym typeface="Arial" pitchFamily="34" charset="0"/>
               </a:defRPr>
             </a:lvl2pPr>
             <a:lvl3pPr marL="1143000" indent="-228600">
@@ -11404,7 +11412,7 @@
                 <a:solidFill>
                   <a:schemeClr val="bg1"/>
                 </a:solidFill>
-                <a:sym typeface="Arial" panose="020B0604020202020204" pitchFamily="34" charset="0"/>
+                <a:sym typeface="Arial" pitchFamily="34" charset="0"/>
               </a:defRPr>
             </a:lvl3pPr>
             <a:lvl4pPr marL="1600200" indent="-228600">
@@ -11416,7 +11424,7 @@
                 <a:solidFill>
                   <a:schemeClr val="bg1"/>
                 </a:solidFill>
-                <a:sym typeface="Arial" panose="020B0604020202020204" pitchFamily="34" charset="0"/>
+                <a:sym typeface="Arial" pitchFamily="34" charset="0"/>
               </a:defRPr>
             </a:lvl4pPr>
             <a:lvl5pPr marL="2057400" indent="-228600">
@@ -11428,7 +11436,7 @@
                 <a:solidFill>
                   <a:schemeClr val="bg1"/>
                 </a:solidFill>
-                <a:sym typeface="Arial" panose="020B0604020202020204" pitchFamily="34" charset="0"/>
+                <a:sym typeface="Arial" pitchFamily="34" charset="0"/>
               </a:defRPr>
             </a:lvl5pPr>
             <a:lvl6pPr marL="2514600" indent="-228600">
@@ -11438,7 +11446,7 @@
               <a:spcBef>
                 <a:spcPts val="500"/>
               </a:spcBef>
-              <a:buFont typeface="Arial" panose="020B0604020202020204" pitchFamily="34" charset="0"/>
+              <a:buFont typeface="Arial" pitchFamily="34" charset="0"/>
               <a:buChar char="•"/>
               <a:defRPr sz="1800">
                 <a:latin typeface="+mn-lt"/>
@@ -11452,7 +11460,7 @@
               <a:spcBef>
                 <a:spcPts val="500"/>
               </a:spcBef>
-              <a:buFont typeface="Arial" panose="020B0604020202020204" pitchFamily="34" charset="0"/>
+              <a:buFont typeface="Arial" pitchFamily="34" charset="0"/>
               <a:buChar char="•"/>
               <a:defRPr sz="1800">
                 <a:latin typeface="+mn-lt"/>
@@ -11466,7 +11474,7 @@
               <a:spcBef>
                 <a:spcPts val="500"/>
               </a:spcBef>
-              <a:buFont typeface="Arial" panose="020B0604020202020204" pitchFamily="34" charset="0"/>
+              <a:buFont typeface="Arial" pitchFamily="34" charset="0"/>
               <a:buChar char="•"/>
               <a:defRPr sz="1800">
                 <a:latin typeface="+mn-lt"/>
@@ -11480,7 +11488,7 @@
               <a:spcBef>
                 <a:spcPts val="500"/>
               </a:spcBef>
-              <a:buFont typeface="Arial" panose="020B0604020202020204" pitchFamily="34" charset="0"/>
+              <a:buFont typeface="Arial" pitchFamily="34" charset="0"/>
               <a:buChar char="•"/>
               <a:defRPr sz="1800">
                 <a:latin typeface="+mn-lt"/>
@@ -11605,7 +11613,7 @@
                 </a:solidFill>
                 <a:latin typeface="+mn-lt"/>
                 <a:ea typeface="+mn-ea"/>
-                <a:sym typeface="Arial" panose="020B0604020202020204" pitchFamily="34" charset="0"/>
+                <a:sym typeface="Arial" pitchFamily="34" charset="0"/>
               </a:defRPr>
             </a:lvl1pPr>
             <a:lvl2pPr marL="742950" indent="-285750">
@@ -11617,7 +11625,7 @@
                 <a:solidFill>
                   <a:schemeClr val="bg1"/>
                 </a:solidFill>
-                <a:sym typeface="Arial" panose="020B0604020202020204" pitchFamily="34" charset="0"/>
+                <a:sym typeface="Arial" pitchFamily="34" charset="0"/>
               </a:defRPr>
             </a:lvl2pPr>
             <a:lvl3pPr marL="1143000" indent="-228600">
@@ -11629,7 +11637,7 @@
                 <a:solidFill>
                   <a:schemeClr val="bg1"/>
                 </a:solidFill>
-                <a:sym typeface="Arial" panose="020B0604020202020204" pitchFamily="34" charset="0"/>
+                <a:sym typeface="Arial" pitchFamily="34" charset="0"/>
               </a:defRPr>
             </a:lvl3pPr>
             <a:lvl4pPr marL="1600200" indent="-228600">
@@ -11641,7 +11649,7 @@
                 <a:solidFill>
                   <a:schemeClr val="bg1"/>
                 </a:solidFill>
-                <a:sym typeface="Arial" panose="020B0604020202020204" pitchFamily="34" charset="0"/>
+                <a:sym typeface="Arial" pitchFamily="34" charset="0"/>
               </a:defRPr>
             </a:lvl4pPr>
             <a:lvl5pPr marL="2057400" indent="-228600">
@@ -11653,7 +11661,7 @@
                 <a:solidFill>
                   <a:schemeClr val="bg1"/>
                 </a:solidFill>
-                <a:sym typeface="Arial" panose="020B0604020202020204" pitchFamily="34" charset="0"/>
+                <a:sym typeface="Arial" pitchFamily="34" charset="0"/>
               </a:defRPr>
             </a:lvl5pPr>
             <a:lvl6pPr marL="2514600" indent="-228600">
@@ -11663,7 +11671,7 @@
               <a:spcBef>
                 <a:spcPts val="500"/>
               </a:spcBef>
-              <a:buFont typeface="Arial" panose="020B0604020202020204" pitchFamily="34" charset="0"/>
+              <a:buFont typeface="Arial" pitchFamily="34" charset="0"/>
               <a:buChar char="•"/>
               <a:defRPr sz="1800">
                 <a:latin typeface="+mn-lt"/>
@@ -11677,7 +11685,7 @@
               <a:spcBef>
                 <a:spcPts val="500"/>
               </a:spcBef>
-              <a:buFont typeface="Arial" panose="020B0604020202020204" pitchFamily="34" charset="0"/>
+              <a:buFont typeface="Arial" pitchFamily="34" charset="0"/>
               <a:buChar char="•"/>
               <a:defRPr sz="1800">
                 <a:latin typeface="+mn-lt"/>
@@ -11691,7 +11699,7 @@
               <a:spcBef>
                 <a:spcPts val="500"/>
               </a:spcBef>
-              <a:buFont typeface="Arial" panose="020B0604020202020204" pitchFamily="34" charset="0"/>
+              <a:buFont typeface="Arial" pitchFamily="34" charset="0"/>
               <a:buChar char="•"/>
               <a:defRPr sz="1800">
                 <a:latin typeface="+mn-lt"/>
@@ -11705,7 +11713,7 @@
               <a:spcBef>
                 <a:spcPts val="500"/>
               </a:spcBef>
-              <a:buFont typeface="Arial" panose="020B0604020202020204" pitchFamily="34" charset="0"/>
+              <a:buFont typeface="Arial" pitchFamily="34" charset="0"/>
               <a:buChar char="•"/>
               <a:defRPr sz="1800">
                 <a:latin typeface="+mn-lt"/>
@@ -11793,7 +11801,7 @@
                 </a:solidFill>
                 <a:latin typeface="+mn-lt"/>
                 <a:ea typeface="+mn-ea"/>
-                <a:sym typeface="Arial" panose="020B0604020202020204" pitchFamily="34" charset="0"/>
+                <a:sym typeface="Arial" pitchFamily="34" charset="0"/>
               </a:defRPr>
             </a:lvl1pPr>
             <a:lvl2pPr marL="742950" indent="-285750">
@@ -11805,7 +11813,7 @@
                 <a:solidFill>
                   <a:schemeClr val="bg1"/>
                 </a:solidFill>
-                <a:sym typeface="Arial" panose="020B0604020202020204" pitchFamily="34" charset="0"/>
+                <a:sym typeface="Arial" pitchFamily="34" charset="0"/>
               </a:defRPr>
             </a:lvl2pPr>
             <a:lvl3pPr marL="1143000" indent="-228600">
@@ -11817,7 +11825,7 @@
                 <a:solidFill>
                   <a:schemeClr val="bg1"/>
                 </a:solidFill>
-                <a:sym typeface="Arial" panose="020B0604020202020204" pitchFamily="34" charset="0"/>
+                <a:sym typeface="Arial" pitchFamily="34" charset="0"/>
               </a:defRPr>
             </a:lvl3pPr>
             <a:lvl4pPr marL="1600200" indent="-228600">
@@ -11829,7 +11837,7 @@
                 <a:solidFill>
                   <a:schemeClr val="bg1"/>
                 </a:solidFill>
-                <a:sym typeface="Arial" panose="020B0604020202020204" pitchFamily="34" charset="0"/>
+                <a:sym typeface="Arial" pitchFamily="34" charset="0"/>
               </a:defRPr>
             </a:lvl4pPr>
             <a:lvl5pPr marL="2057400" indent="-228600">
@@ -11841,7 +11849,7 @@
                 <a:solidFill>
                   <a:schemeClr val="bg1"/>
                 </a:solidFill>
-                <a:sym typeface="Arial" panose="020B0604020202020204" pitchFamily="34" charset="0"/>
+                <a:sym typeface="Arial" pitchFamily="34" charset="0"/>
               </a:defRPr>
             </a:lvl5pPr>
             <a:lvl6pPr marL="2514600" indent="-228600">
@@ -11851,7 +11859,7 @@
               <a:spcBef>
                 <a:spcPts val="500"/>
               </a:spcBef>
-              <a:buFont typeface="Arial" panose="020B0604020202020204" pitchFamily="34" charset="0"/>
+              <a:buFont typeface="Arial" pitchFamily="34" charset="0"/>
               <a:buChar char="•"/>
               <a:defRPr sz="1800">
                 <a:latin typeface="+mn-lt"/>
@@ -11865,7 +11873,7 @@
               <a:spcBef>
                 <a:spcPts val="500"/>
               </a:spcBef>
-              <a:buFont typeface="Arial" panose="020B0604020202020204" pitchFamily="34" charset="0"/>
+              <a:buFont typeface="Arial" pitchFamily="34" charset="0"/>
               <a:buChar char="•"/>
               <a:defRPr sz="1800">
                 <a:latin typeface="+mn-lt"/>
@@ -11879,7 +11887,7 @@
               <a:spcBef>
                 <a:spcPts val="500"/>
               </a:spcBef>
-              <a:buFont typeface="Arial" panose="020B0604020202020204" pitchFamily="34" charset="0"/>
+              <a:buFont typeface="Arial" pitchFamily="34" charset="0"/>
               <a:buChar char="•"/>
               <a:defRPr sz="1800">
                 <a:latin typeface="+mn-lt"/>
@@ -11893,7 +11901,7 @@
               <a:spcBef>
                 <a:spcPts val="500"/>
               </a:spcBef>
-              <a:buFont typeface="Arial" panose="020B0604020202020204" pitchFamily="34" charset="0"/>
+              <a:buFont typeface="Arial" pitchFamily="34" charset="0"/>
               <a:buChar char="•"/>
               <a:defRPr sz="1800">
                 <a:latin typeface="+mn-lt"/>
@@ -12175,9 +12183,9 @@
                 <a:solidFill>
                   <a:schemeClr val="bg1"/>
                 </a:solidFill>
-                <a:latin typeface="Arial" panose="020B0604020202020204" pitchFamily="34" charset="0"/>
-                <a:ea typeface="黑体" panose="02010609060101010101" pitchFamily="49" charset="-122"/>
-                <a:sym typeface="Arial" panose="020B0604020202020204" pitchFamily="34" charset="0"/>
+                <a:latin typeface="Arial" pitchFamily="34" charset="0"/>
+                <a:ea typeface="黑体" pitchFamily="49" charset="-122"/>
+                <a:sym typeface="Arial" pitchFamily="34" charset="0"/>
               </a:defRPr>
             </a:lvl1pPr>
             <a:lvl2pPr marL="742950" indent="-285750">
@@ -12189,9 +12197,9 @@
                 <a:solidFill>
                   <a:schemeClr val="bg1"/>
                 </a:solidFill>
-                <a:latin typeface="Arial" panose="020B0604020202020204" pitchFamily="34" charset="0"/>
-                <a:ea typeface="黑体" panose="02010609060101010101" pitchFamily="49" charset="-122"/>
-                <a:sym typeface="Arial" panose="020B0604020202020204" pitchFamily="34" charset="0"/>
+                <a:latin typeface="Arial" pitchFamily="34" charset="0"/>
+                <a:ea typeface="黑体" pitchFamily="49" charset="-122"/>
+                <a:sym typeface="Arial" pitchFamily="34" charset="0"/>
               </a:defRPr>
             </a:lvl2pPr>
             <a:lvl3pPr marL="1143000" indent="-228600">
@@ -12203,9 +12211,9 @@
                 <a:solidFill>
                   <a:schemeClr val="bg1"/>
                 </a:solidFill>
-                <a:latin typeface="Arial" panose="020B0604020202020204" pitchFamily="34" charset="0"/>
-                <a:ea typeface="黑体" panose="02010609060101010101" pitchFamily="49" charset="-122"/>
-                <a:sym typeface="Arial" panose="020B0604020202020204" pitchFamily="34" charset="0"/>
+                <a:latin typeface="Arial" pitchFamily="34" charset="0"/>
+                <a:ea typeface="黑体" pitchFamily="49" charset="-122"/>
+                <a:sym typeface="Arial" pitchFamily="34" charset="0"/>
               </a:defRPr>
             </a:lvl3pPr>
             <a:lvl4pPr marL="1600200" indent="-228600">
@@ -12217,9 +12225,9 @@
                 <a:solidFill>
                   <a:schemeClr val="bg1"/>
                 </a:solidFill>
-                <a:latin typeface="Arial" panose="020B0604020202020204" pitchFamily="34" charset="0"/>
-                <a:ea typeface="黑体" panose="02010609060101010101" pitchFamily="49" charset="-122"/>
-                <a:sym typeface="Arial" panose="020B0604020202020204" pitchFamily="34" charset="0"/>
+                <a:latin typeface="Arial" pitchFamily="34" charset="0"/>
+                <a:ea typeface="黑体" pitchFamily="49" charset="-122"/>
+                <a:sym typeface="Arial" pitchFamily="34" charset="0"/>
               </a:defRPr>
             </a:lvl4pPr>
             <a:lvl5pPr marL="2057400" indent="-228600">
@@ -12231,9 +12239,9 @@
                 <a:solidFill>
                   <a:schemeClr val="bg1"/>
                 </a:solidFill>
-                <a:latin typeface="Arial" panose="020B0604020202020204" pitchFamily="34" charset="0"/>
-                <a:ea typeface="黑体" panose="02010609060101010101" pitchFamily="49" charset="-122"/>
-                <a:sym typeface="Arial" panose="020B0604020202020204" pitchFamily="34" charset="0"/>
+                <a:latin typeface="Arial" pitchFamily="34" charset="0"/>
+                <a:ea typeface="黑体" pitchFamily="49" charset="-122"/>
+                <a:sym typeface="Arial" pitchFamily="34" charset="0"/>
               </a:defRPr>
             </a:lvl5pPr>
             <a:lvl6pPr marL="2514600" indent="-228600" eaLnBrk="0" fontAlgn="base" hangingPunct="0">
@@ -12248,9 +12256,9 @@
                 <a:solidFill>
                   <a:schemeClr val="bg1"/>
                 </a:solidFill>
-                <a:latin typeface="Arial" panose="020B0604020202020204" pitchFamily="34" charset="0"/>
-                <a:ea typeface="黑体" panose="02010609060101010101" pitchFamily="49" charset="-122"/>
-                <a:sym typeface="Arial" panose="020B0604020202020204" pitchFamily="34" charset="0"/>
+                <a:latin typeface="Arial" pitchFamily="34" charset="0"/>
+                <a:ea typeface="黑体" pitchFamily="49" charset="-122"/>
+                <a:sym typeface="Arial" pitchFamily="34" charset="0"/>
               </a:defRPr>
             </a:lvl6pPr>
             <a:lvl7pPr marL="2971800" indent="-228600" eaLnBrk="0" fontAlgn="base" hangingPunct="0">
@@ -12265,9 +12273,9 @@
                 <a:solidFill>
                   <a:schemeClr val="bg1"/>
                 </a:solidFill>
-                <a:latin typeface="Arial" panose="020B0604020202020204" pitchFamily="34" charset="0"/>
-                <a:ea typeface="黑体" panose="02010609060101010101" pitchFamily="49" charset="-122"/>
-                <a:sym typeface="Arial" panose="020B0604020202020204" pitchFamily="34" charset="0"/>
+                <a:latin typeface="Arial" pitchFamily="34" charset="0"/>
+                <a:ea typeface="黑体" pitchFamily="49" charset="-122"/>
+                <a:sym typeface="Arial" pitchFamily="34" charset="0"/>
               </a:defRPr>
             </a:lvl7pPr>
             <a:lvl8pPr marL="3429000" indent="-228600" eaLnBrk="0" fontAlgn="base" hangingPunct="0">
@@ -12282,9 +12290,9 @@
                 <a:solidFill>
                   <a:schemeClr val="bg1"/>
                 </a:solidFill>
-                <a:latin typeface="Arial" panose="020B0604020202020204" pitchFamily="34" charset="0"/>
-                <a:ea typeface="黑体" panose="02010609060101010101" pitchFamily="49" charset="-122"/>
-                <a:sym typeface="Arial" panose="020B0604020202020204" pitchFamily="34" charset="0"/>
+                <a:latin typeface="Arial" pitchFamily="34" charset="0"/>
+                <a:ea typeface="黑体" pitchFamily="49" charset="-122"/>
+                <a:sym typeface="Arial" pitchFamily="34" charset="0"/>
               </a:defRPr>
             </a:lvl8pPr>
             <a:lvl9pPr marL="3886200" indent="-228600" eaLnBrk="0" fontAlgn="base" hangingPunct="0">
@@ -12299,9 +12307,9 @@
                 <a:solidFill>
                   <a:schemeClr val="bg1"/>
                 </a:solidFill>
-                <a:latin typeface="Arial" panose="020B0604020202020204" pitchFamily="34" charset="0"/>
-                <a:ea typeface="黑体" panose="02010609060101010101" pitchFamily="49" charset="-122"/>
-                <a:sym typeface="Arial" panose="020B0604020202020204" pitchFamily="34" charset="0"/>
+                <a:latin typeface="Arial" pitchFamily="34" charset="0"/>
+                <a:ea typeface="黑体" pitchFamily="49" charset="-122"/>
+                <a:sym typeface="Arial" pitchFamily="34" charset="0"/>
               </a:defRPr>
             </a:lvl9pPr>
           </a:lstStyle>
@@ -12376,7 +12384,7 @@
                 <a:latin typeface="+mj-lt"/>
                 <a:ea typeface="+mj-ea"/>
                 <a:cs typeface="+mj-cs"/>
-                <a:sym typeface="Arial" panose="020B0604020202020204" pitchFamily="34" charset="0"/>
+                <a:sym typeface="Arial" pitchFamily="34" charset="0"/>
               </a:defRPr>
             </a:lvl1pPr>
             <a:lvl2pPr>
@@ -12384,7 +12392,7 @@
                 <a:solidFill>
                   <a:srgbClr val="F0DB6E"/>
                 </a:solidFill>
-                <a:sym typeface="Arial" panose="020B0604020202020204" pitchFamily="34" charset="0"/>
+                <a:sym typeface="Arial" pitchFamily="34" charset="0"/>
               </a:defRPr>
             </a:lvl2pPr>
             <a:lvl3pPr>
@@ -12392,7 +12400,7 @@
                 <a:solidFill>
                   <a:srgbClr val="F0DB6E"/>
                 </a:solidFill>
-                <a:sym typeface="Arial" panose="020B0604020202020204" pitchFamily="34" charset="0"/>
+                <a:sym typeface="Arial" pitchFamily="34" charset="0"/>
               </a:defRPr>
             </a:lvl3pPr>
             <a:lvl4pPr>
@@ -12400,7 +12408,7 @@
                 <a:solidFill>
                   <a:srgbClr val="F0DB6E"/>
                 </a:solidFill>
-                <a:sym typeface="Arial" panose="020B0604020202020204" pitchFamily="34" charset="0"/>
+                <a:sym typeface="Arial" pitchFamily="34" charset="0"/>
               </a:defRPr>
             </a:lvl4pPr>
             <a:lvl5pPr>
@@ -12408,7 +12416,7 @@
                 <a:solidFill>
                   <a:srgbClr val="F0DB6E"/>
                 </a:solidFill>
-                <a:sym typeface="Arial" panose="020B0604020202020204" pitchFamily="34" charset="0"/>
+                <a:sym typeface="Arial" pitchFamily="34" charset="0"/>
               </a:defRPr>
             </a:lvl5pPr>
             <a:lvl6pPr marL="457200" eaLnBrk="0" fontAlgn="base" hangingPunct="0">
@@ -12422,7 +12430,7 @@
                 <a:solidFill>
                   <a:srgbClr val="F0DB6E"/>
                 </a:solidFill>
-                <a:sym typeface="Arial" panose="020B0604020202020204" pitchFamily="34" charset="0"/>
+                <a:sym typeface="Arial" pitchFamily="34" charset="0"/>
               </a:defRPr>
             </a:lvl6pPr>
             <a:lvl7pPr marL="914400" eaLnBrk="0" fontAlgn="base" hangingPunct="0">
@@ -12436,7 +12444,7 @@
                 <a:solidFill>
                   <a:srgbClr val="F0DB6E"/>
                 </a:solidFill>
-                <a:sym typeface="Arial" panose="020B0604020202020204" pitchFamily="34" charset="0"/>
+                <a:sym typeface="Arial" pitchFamily="34" charset="0"/>
               </a:defRPr>
             </a:lvl7pPr>
             <a:lvl8pPr marL="1371600" eaLnBrk="0" fontAlgn="base" hangingPunct="0">
@@ -12450,7 +12458,7 @@
                 <a:solidFill>
                   <a:srgbClr val="F0DB6E"/>
                 </a:solidFill>
-                <a:sym typeface="Arial" panose="020B0604020202020204" pitchFamily="34" charset="0"/>
+                <a:sym typeface="Arial" pitchFamily="34" charset="0"/>
               </a:defRPr>
             </a:lvl8pPr>
             <a:lvl9pPr marL="1828800" eaLnBrk="0" fontAlgn="base" hangingPunct="0">
@@ -12464,7 +12472,7 @@
                 <a:solidFill>
                   <a:srgbClr val="F0DB6E"/>
                 </a:solidFill>
-                <a:sym typeface="Arial" panose="020B0604020202020204" pitchFamily="34" charset="0"/>
+                <a:sym typeface="Arial" pitchFamily="34" charset="0"/>
               </a:defRPr>
             </a:lvl9pPr>
           </a:lstStyle>
@@ -12607,7 +12615,7 @@
               <a:spcBef>
                 <a:spcPts val="1000"/>
               </a:spcBef>
-              <a:buFont typeface="Arial" panose="020B0604020202020204" pitchFamily="34" charset="0"/>
+              <a:buFont typeface="Arial" pitchFamily="34" charset="0"/>
               <a:buChar char="•"/>
               <a:defRPr sz="2800"/>
             </a:lvl1pPr>
@@ -12618,7 +12626,7 @@
               <a:spcBef>
                 <a:spcPts val="500"/>
               </a:spcBef>
-              <a:buFont typeface="Arial" panose="020B0604020202020204" pitchFamily="34" charset="0"/>
+              <a:buFont typeface="Arial" pitchFamily="34" charset="0"/>
               <a:buChar char="•"/>
               <a:defRPr sz="2400"/>
             </a:lvl2pPr>
@@ -12629,7 +12637,7 @@
               <a:spcBef>
                 <a:spcPts val="500"/>
               </a:spcBef>
-              <a:buFont typeface="Arial" panose="020B0604020202020204" pitchFamily="34" charset="0"/>
+              <a:buFont typeface="Arial" pitchFamily="34" charset="0"/>
               <a:buChar char="•"/>
               <a:defRPr sz="2000"/>
             </a:lvl3pPr>
@@ -12640,7 +12648,7 @@
               <a:spcBef>
                 <a:spcPts val="500"/>
               </a:spcBef>
-              <a:buFont typeface="Arial" panose="020B0604020202020204" pitchFamily="34" charset="0"/>
+              <a:buFont typeface="Arial" pitchFamily="34" charset="0"/>
               <a:buChar char="•"/>
             </a:lvl4pPr>
             <a:lvl5pPr marL="2057400" lvl="4" indent="-228600">
@@ -12650,7 +12658,7 @@
               <a:spcBef>
                 <a:spcPts val="500"/>
               </a:spcBef>
-              <a:buFont typeface="Arial" panose="020B0604020202020204" pitchFamily="34" charset="0"/>
+              <a:buFont typeface="Arial" pitchFamily="34" charset="0"/>
               <a:buChar char="•"/>
             </a:lvl5pPr>
             <a:lvl6pPr marL="2514600" indent="-228600">
@@ -12660,7 +12668,7 @@
               <a:spcBef>
                 <a:spcPts val="500"/>
               </a:spcBef>
-              <a:buFont typeface="Arial" panose="020B0604020202020204" pitchFamily="34" charset="0"/>
+              <a:buFont typeface="Arial" pitchFamily="34" charset="0"/>
               <a:buChar char="•"/>
             </a:lvl6pPr>
             <a:lvl7pPr marL="2971800" indent="-228600">
@@ -12670,7 +12678,7 @@
               <a:spcBef>
                 <a:spcPts val="500"/>
               </a:spcBef>
-              <a:buFont typeface="Arial" panose="020B0604020202020204" pitchFamily="34" charset="0"/>
+              <a:buFont typeface="Arial" pitchFamily="34" charset="0"/>
               <a:buChar char="•"/>
             </a:lvl7pPr>
             <a:lvl8pPr marL="3429000" indent="-228600">
@@ -12680,7 +12688,7 @@
               <a:spcBef>
                 <a:spcPts val="500"/>
               </a:spcBef>
-              <a:buFont typeface="Arial" panose="020B0604020202020204" pitchFamily="34" charset="0"/>
+              <a:buFont typeface="Arial" pitchFamily="34" charset="0"/>
               <a:buChar char="•"/>
             </a:lvl8pPr>
             <a:lvl9pPr marL="3886200" indent="-228600">
@@ -12690,7 +12698,7 @@
               <a:spcBef>
                 <a:spcPts val="500"/>
               </a:spcBef>
-              <a:buFont typeface="Arial" panose="020B0604020202020204" pitchFamily="34" charset="0"/>
+              <a:buFont typeface="Arial" pitchFamily="34" charset="0"/>
               <a:buChar char="•"/>
             </a:lvl9pPr>
           </a:lstStyle>
@@ -12856,7 +12864,7 @@
               <a:spcBef>
                 <a:spcPts val="1000"/>
               </a:spcBef>
-              <a:buFont typeface="Arial" panose="020B0604020202020204" pitchFamily="34" charset="0"/>
+              <a:buFont typeface="Arial" pitchFamily="34" charset="0"/>
               <a:buChar char="•"/>
               <a:defRPr sz="2800"/>
             </a:lvl1pPr>
@@ -12867,7 +12875,7 @@
               <a:spcBef>
                 <a:spcPts val="500"/>
               </a:spcBef>
-              <a:buFont typeface="Arial" panose="020B0604020202020204" pitchFamily="34" charset="0"/>
+              <a:buFont typeface="Arial" pitchFamily="34" charset="0"/>
               <a:buChar char="•"/>
               <a:defRPr sz="2400"/>
             </a:lvl2pPr>
@@ -12878,7 +12886,7 @@
               <a:spcBef>
                 <a:spcPts val="500"/>
               </a:spcBef>
-              <a:buFont typeface="Arial" panose="020B0604020202020204" pitchFamily="34" charset="0"/>
+              <a:buFont typeface="Arial" pitchFamily="34" charset="0"/>
               <a:buChar char="•"/>
               <a:defRPr sz="2000"/>
             </a:lvl3pPr>
@@ -12889,7 +12897,7 @@
               <a:spcBef>
                 <a:spcPts val="500"/>
               </a:spcBef>
-              <a:buFont typeface="Arial" panose="020B0604020202020204" pitchFamily="34" charset="0"/>
+              <a:buFont typeface="Arial" pitchFamily="34" charset="0"/>
               <a:buChar char="•"/>
             </a:lvl4pPr>
             <a:lvl5pPr marL="2057400" lvl="4" indent="-228600">
@@ -12899,7 +12907,7 @@
               <a:spcBef>
                 <a:spcPts val="500"/>
               </a:spcBef>
-              <a:buFont typeface="Arial" panose="020B0604020202020204" pitchFamily="34" charset="0"/>
+              <a:buFont typeface="Arial" pitchFamily="34" charset="0"/>
               <a:buChar char="•"/>
             </a:lvl5pPr>
             <a:lvl6pPr marL="2514600" indent="-228600">
@@ -12909,7 +12917,7 @@
               <a:spcBef>
                 <a:spcPts val="500"/>
               </a:spcBef>
-              <a:buFont typeface="Arial" panose="020B0604020202020204" pitchFamily="34" charset="0"/>
+              <a:buFont typeface="Arial" pitchFamily="34" charset="0"/>
               <a:buChar char="•"/>
             </a:lvl6pPr>
             <a:lvl7pPr marL="2971800" indent="-228600">
@@ -12919,7 +12927,7 @@
               <a:spcBef>
                 <a:spcPts val="500"/>
               </a:spcBef>
-              <a:buFont typeface="Arial" panose="020B0604020202020204" pitchFamily="34" charset="0"/>
+              <a:buFont typeface="Arial" pitchFamily="34" charset="0"/>
               <a:buChar char="•"/>
             </a:lvl7pPr>
             <a:lvl8pPr marL="3429000" indent="-228600">
@@ -12929,7 +12937,7 @@
               <a:spcBef>
                 <a:spcPts val="500"/>
               </a:spcBef>
-              <a:buFont typeface="Arial" panose="020B0604020202020204" pitchFamily="34" charset="0"/>
+              <a:buFont typeface="Arial" pitchFamily="34" charset="0"/>
               <a:buChar char="•"/>
             </a:lvl8pPr>
             <a:lvl9pPr marL="3886200" indent="-228600">
@@ -12939,7 +12947,7 @@
               <a:spcBef>
                 <a:spcPts val="500"/>
               </a:spcBef>
-              <a:buFont typeface="Arial" panose="020B0604020202020204" pitchFamily="34" charset="0"/>
+              <a:buFont typeface="Arial" pitchFamily="34" charset="0"/>
               <a:buChar char="•"/>
             </a:lvl9pPr>
           </a:lstStyle>
@@ -14588,7 +14596,7 @@
           </a:spcAft>
           <a:buClrTx/>
           <a:buSzTx/>
-          <a:buFont typeface="Arial" panose="020B0604020202020204" pitchFamily="34" charset="0"/>
+          <a:buFont typeface="Arial" pitchFamily="34" charset="0"/>
           <a:buNone/>
           <a:defRPr kumimoji="0" lang="zh-CN" sz="1800" b="0" i="0" u="none" strike="noStrike" cap="none" normalizeH="0" baseline="0" smtClean="0">
             <a:ln>
@@ -14598,8 +14606,8 @@
               <a:schemeClr val="tx1"/>
             </a:solidFill>
             <a:effectLst/>
-            <a:latin typeface="Arial" panose="020B0604020202020204" pitchFamily="34" charset="0"/>
-            <a:ea typeface="黑体" panose="02010609060101010101" pitchFamily="49" charset="-122"/>
+            <a:latin typeface="Arial" pitchFamily="34" charset="0"/>
+            <a:ea typeface="黑体" pitchFamily="49" charset="-122"/>
           </a:defRPr>
         </a:defPPr>
       </a:lstStyle>
@@ -14642,7 +14650,7 @@
           </a:spcAft>
           <a:buClrTx/>
           <a:buSzTx/>
-          <a:buFont typeface="Arial" panose="020B0604020202020204" pitchFamily="34" charset="0"/>
+          <a:buFont typeface="Arial" pitchFamily="34" charset="0"/>
           <a:buNone/>
           <a:defRPr kumimoji="0" lang="zh-CN" sz="1800" b="0" i="0" u="none" strike="noStrike" cap="none" normalizeH="0" baseline="0" smtClean="0">
             <a:ln>
@@ -14652,8 +14660,8 @@
               <a:schemeClr val="tx1"/>
             </a:solidFill>
             <a:effectLst/>
-            <a:latin typeface="Arial" panose="020B0604020202020204" pitchFamily="34" charset="0"/>
-            <a:ea typeface="黑体" panose="02010609060101010101" pitchFamily="49" charset="-122"/>
+            <a:latin typeface="Arial" pitchFamily="34" charset="0"/>
+            <a:ea typeface="黑体" pitchFamily="49" charset="-122"/>
           </a:defRPr>
         </a:defPPr>
       </a:lstStyle>
